--- a/Chapter7/Figures/Fig8.pptx
+++ b/Chapter7/Figures/Fig8.pptx
@@ -7,7 +7,7 @@
   <p:sldIdLst>
     <p:sldId id="256" r:id="rId2"/>
   </p:sldIdLst>
-  <p:sldSz cx="10801350" cy="12241213"/>
+  <p:sldSz cx="10801350" cy="12961938"/>
   <p:notesSz cx="6858000" cy="9144000"/>
   <p:defaultTextStyle>
     <a:defPPr>
@@ -136,8 +136,8 @@
         </p:nvSpPr>
         <p:spPr>
           <a:xfrm>
-            <a:off x="810110" y="3802715"/>
-            <a:ext cx="9181149" cy="2623927"/>
+            <a:off x="810112" y="4026608"/>
+            <a:ext cx="9181149" cy="2778416"/>
           </a:xfrm>
         </p:spPr>
         <p:txBody>
@@ -164,8 +164,8 @@
         </p:nvSpPr>
         <p:spPr>
           <a:xfrm>
-            <a:off x="1620212" y="6936691"/>
-            <a:ext cx="7560945" cy="3128310"/>
+            <a:off x="1620214" y="7345102"/>
+            <a:ext cx="7560945" cy="3312495"/>
           </a:xfrm>
         </p:spPr>
         <p:txBody>
@@ -288,7 +288,7 @@
           <a:p>
             <a:fld id="{4D792E19-0BEC-4B8D-B7D3-C8ECEB03A1A5}" type="datetimeFigureOut">
               <a:rPr lang="en-GB" smtClean="0"/>
-              <a:t>05/06/2014</a:t>
+              <a:t>10/09/2014</a:t>
             </a:fld>
             <a:endParaRPr lang="en-GB"/>
           </a:p>
@@ -458,7 +458,7 @@
           <a:p>
             <a:fld id="{4D792E19-0BEC-4B8D-B7D3-C8ECEB03A1A5}" type="datetimeFigureOut">
               <a:rPr lang="en-GB" smtClean="0"/>
-              <a:t>05/06/2014</a:t>
+              <a:t>10/09/2014</a:t>
             </a:fld>
             <a:endParaRPr lang="en-GB"/>
           </a:p>
@@ -548,8 +548,8 @@
         </p:nvSpPr>
         <p:spPr>
           <a:xfrm>
-            <a:off x="7830986" y="490220"/>
-            <a:ext cx="2430303" cy="10444702"/>
+            <a:off x="7830988" y="519083"/>
+            <a:ext cx="2430303" cy="11059654"/>
           </a:xfrm>
         </p:spPr>
         <p:txBody>
@@ -576,8 +576,8 @@
         </p:nvSpPr>
         <p:spPr>
           <a:xfrm>
-            <a:off x="540069" y="490220"/>
-            <a:ext cx="7110888" cy="10444702"/>
+            <a:off x="540069" y="519083"/>
+            <a:ext cx="7110888" cy="11059654"/>
           </a:xfrm>
         </p:spPr>
         <p:txBody>
@@ -638,7 +638,7 @@
           <a:p>
             <a:fld id="{4D792E19-0BEC-4B8D-B7D3-C8ECEB03A1A5}" type="datetimeFigureOut">
               <a:rPr lang="en-GB" smtClean="0"/>
-              <a:t>05/06/2014</a:t>
+              <a:t>10/09/2014</a:t>
             </a:fld>
             <a:endParaRPr lang="en-GB"/>
           </a:p>
@@ -808,7 +808,7 @@
           <a:p>
             <a:fld id="{4D792E19-0BEC-4B8D-B7D3-C8ECEB03A1A5}" type="datetimeFigureOut">
               <a:rPr lang="en-GB" smtClean="0"/>
-              <a:t>05/06/2014</a:t>
+              <a:t>10/09/2014</a:t>
             </a:fld>
             <a:endParaRPr lang="en-GB"/>
           </a:p>
@@ -898,8 +898,8 @@
         </p:nvSpPr>
         <p:spPr>
           <a:xfrm>
-            <a:off x="853238" y="7866117"/>
-            <a:ext cx="9181149" cy="2431240"/>
+            <a:off x="853240" y="8329250"/>
+            <a:ext cx="9181149" cy="2574384"/>
           </a:xfrm>
         </p:spPr>
         <p:txBody>
@@ -930,8 +930,8 @@
         </p:nvSpPr>
         <p:spPr>
           <a:xfrm>
-            <a:off x="853238" y="5188354"/>
-            <a:ext cx="9181149" cy="2677766"/>
+            <a:off x="853240" y="5493828"/>
+            <a:ext cx="9181149" cy="2835425"/>
           </a:xfrm>
         </p:spPr>
         <p:txBody>
@@ -1054,7 +1054,7 @@
           <a:p>
             <a:fld id="{4D792E19-0BEC-4B8D-B7D3-C8ECEB03A1A5}" type="datetimeFigureOut">
               <a:rPr lang="en-GB" smtClean="0"/>
-              <a:t>05/06/2014</a:t>
+              <a:t>10/09/2014</a:t>
             </a:fld>
             <a:endParaRPr lang="en-GB"/>
           </a:p>
@@ -1167,8 +1167,8 @@
         </p:nvSpPr>
         <p:spPr>
           <a:xfrm>
-            <a:off x="540074" y="2856286"/>
-            <a:ext cx="4770597" cy="8078636"/>
+            <a:off x="540076" y="3024455"/>
+            <a:ext cx="4770597" cy="8554282"/>
           </a:xfrm>
         </p:spPr>
         <p:txBody>
@@ -1252,8 +1252,8 @@
         </p:nvSpPr>
         <p:spPr>
           <a:xfrm>
-            <a:off x="5490695" y="2856286"/>
-            <a:ext cx="4770597" cy="8078636"/>
+            <a:off x="5490695" y="3024455"/>
+            <a:ext cx="4770597" cy="8554282"/>
           </a:xfrm>
         </p:spPr>
         <p:txBody>
@@ -1342,7 +1342,7 @@
           <a:p>
             <a:fld id="{4D792E19-0BEC-4B8D-B7D3-C8ECEB03A1A5}" type="datetimeFigureOut">
               <a:rPr lang="en-GB" smtClean="0"/>
-              <a:t>05/06/2014</a:t>
+              <a:t>10/09/2014</a:t>
             </a:fld>
             <a:endParaRPr lang="en-GB"/>
           </a:p>
@@ -1459,8 +1459,8 @@
         </p:nvSpPr>
         <p:spPr>
           <a:xfrm>
-            <a:off x="540072" y="2740110"/>
-            <a:ext cx="4772472" cy="1141946"/>
+            <a:off x="540072" y="2901440"/>
+            <a:ext cx="4772472" cy="1209180"/>
           </a:xfrm>
         </p:spPr>
         <p:txBody>
@@ -1524,8 +1524,8 @@
         </p:nvSpPr>
         <p:spPr>
           <a:xfrm>
-            <a:off x="540072" y="3882053"/>
-            <a:ext cx="4772472" cy="7052868"/>
+            <a:off x="540072" y="4110616"/>
+            <a:ext cx="4772472" cy="7468119"/>
           </a:xfrm>
         </p:spPr>
         <p:txBody>
@@ -1609,8 +1609,8 @@
         </p:nvSpPr>
         <p:spPr>
           <a:xfrm>
-            <a:off x="5486945" y="2740110"/>
-            <a:ext cx="4774347" cy="1141946"/>
+            <a:off x="5486947" y="2901440"/>
+            <a:ext cx="4774347" cy="1209180"/>
           </a:xfrm>
         </p:spPr>
         <p:txBody>
@@ -1674,8 +1674,8 @@
         </p:nvSpPr>
         <p:spPr>
           <a:xfrm>
-            <a:off x="5486945" y="3882053"/>
-            <a:ext cx="4774347" cy="7052868"/>
+            <a:off x="5486947" y="4110616"/>
+            <a:ext cx="4774347" cy="7468119"/>
           </a:xfrm>
         </p:spPr>
         <p:txBody>
@@ -1764,7 +1764,7 @@
           <a:p>
             <a:fld id="{4D792E19-0BEC-4B8D-B7D3-C8ECEB03A1A5}" type="datetimeFigureOut">
               <a:rPr lang="en-GB" smtClean="0"/>
-              <a:t>05/06/2014</a:t>
+              <a:t>10/09/2014</a:t>
             </a:fld>
             <a:endParaRPr lang="en-GB"/>
           </a:p>
@@ -1882,7 +1882,7 @@
           <a:p>
             <a:fld id="{4D792E19-0BEC-4B8D-B7D3-C8ECEB03A1A5}" type="datetimeFigureOut">
               <a:rPr lang="en-GB" smtClean="0"/>
-              <a:t>05/06/2014</a:t>
+              <a:t>10/09/2014</a:t>
             </a:fld>
             <a:endParaRPr lang="en-GB"/>
           </a:p>
@@ -1977,7 +1977,7 @@
           <a:p>
             <a:fld id="{4D792E19-0BEC-4B8D-B7D3-C8ECEB03A1A5}" type="datetimeFigureOut">
               <a:rPr lang="en-GB" smtClean="0"/>
-              <a:t>05/06/2014</a:t>
+              <a:t>10/09/2014</a:t>
             </a:fld>
             <a:endParaRPr lang="en-GB"/>
           </a:p>
@@ -2067,8 +2067,8 @@
         </p:nvSpPr>
         <p:spPr>
           <a:xfrm>
-            <a:off x="540080" y="487387"/>
-            <a:ext cx="3553569" cy="2074207"/>
+            <a:off x="540082" y="516083"/>
+            <a:ext cx="3553569" cy="2196330"/>
           </a:xfrm>
         </p:spPr>
         <p:txBody>
@@ -2099,8 +2099,8 @@
         </p:nvSpPr>
         <p:spPr>
           <a:xfrm>
-            <a:off x="4223031" y="487388"/>
-            <a:ext cx="6038256" cy="10447537"/>
+            <a:off x="4223031" y="516085"/>
+            <a:ext cx="6038256" cy="11062656"/>
           </a:xfrm>
         </p:spPr>
         <p:txBody>
@@ -2184,8 +2184,8 @@
         </p:nvSpPr>
         <p:spPr>
           <a:xfrm>
-            <a:off x="540080" y="2561587"/>
-            <a:ext cx="3553569" cy="8373330"/>
+            <a:off x="540082" y="2712405"/>
+            <a:ext cx="3553569" cy="8866326"/>
           </a:xfrm>
         </p:spPr>
         <p:txBody>
@@ -2254,7 +2254,7 @@
           <a:p>
             <a:fld id="{4D792E19-0BEC-4B8D-B7D3-C8ECEB03A1A5}" type="datetimeFigureOut">
               <a:rPr lang="en-GB" smtClean="0"/>
-              <a:t>05/06/2014</a:t>
+              <a:t>10/09/2014</a:t>
             </a:fld>
             <a:endParaRPr lang="en-GB"/>
           </a:p>
@@ -2344,8 +2344,8 @@
         </p:nvSpPr>
         <p:spPr>
           <a:xfrm>
-            <a:off x="2117142" y="8568853"/>
-            <a:ext cx="6480810" cy="1011600"/>
+            <a:off x="2117142" y="9073361"/>
+            <a:ext cx="6480810" cy="1071160"/>
           </a:xfrm>
         </p:spPr>
         <p:txBody>
@@ -2376,8 +2376,8 @@
         </p:nvSpPr>
         <p:spPr>
           <a:xfrm>
-            <a:off x="2117142" y="1093779"/>
-            <a:ext cx="6480810" cy="7344728"/>
+            <a:off x="2117142" y="1158178"/>
+            <a:ext cx="6480810" cy="7777163"/>
           </a:xfrm>
         </p:spPr>
         <p:txBody>
@@ -2437,8 +2437,8 @@
         </p:nvSpPr>
         <p:spPr>
           <a:xfrm>
-            <a:off x="2117142" y="9580451"/>
-            <a:ext cx="6480810" cy="1436643"/>
+            <a:off x="2117142" y="10144519"/>
+            <a:ext cx="6480810" cy="1521228"/>
           </a:xfrm>
         </p:spPr>
         <p:txBody>
@@ -2507,7 +2507,7 @@
           <a:p>
             <a:fld id="{4D792E19-0BEC-4B8D-B7D3-C8ECEB03A1A5}" type="datetimeFigureOut">
               <a:rPr lang="en-GB" smtClean="0"/>
-              <a:t>05/06/2014</a:t>
+              <a:t>10/09/2014</a:t>
             </a:fld>
             <a:endParaRPr lang="en-GB"/>
           </a:p>
@@ -2602,8 +2602,8 @@
         </p:nvSpPr>
         <p:spPr>
           <a:xfrm>
-            <a:off x="540077" y="490220"/>
-            <a:ext cx="9721215" cy="2040203"/>
+            <a:off x="540079" y="519083"/>
+            <a:ext cx="9721215" cy="2160324"/>
           </a:xfrm>
           <a:prstGeom prst="rect">
             <a:avLst/>
@@ -2635,8 +2635,8 @@
         </p:nvSpPr>
         <p:spPr>
           <a:xfrm>
-            <a:off x="540077" y="2856286"/>
-            <a:ext cx="9721215" cy="8078636"/>
+            <a:off x="540079" y="3024455"/>
+            <a:ext cx="9721215" cy="8554282"/>
           </a:xfrm>
           <a:prstGeom prst="rect">
             <a:avLst/>
@@ -2697,8 +2697,8 @@
         </p:nvSpPr>
         <p:spPr>
           <a:xfrm>
-            <a:off x="540077" y="11345795"/>
-            <a:ext cx="2520315" cy="651732"/>
+            <a:off x="540079" y="12013801"/>
+            <a:ext cx="2520315" cy="690104"/>
           </a:xfrm>
           <a:prstGeom prst="rect">
             <a:avLst/>
@@ -2720,7 +2720,7 @@
           <a:p>
             <a:fld id="{4D792E19-0BEC-4B8D-B7D3-C8ECEB03A1A5}" type="datetimeFigureOut">
               <a:rPr lang="en-GB" smtClean="0"/>
-              <a:t>05/06/2014</a:t>
+              <a:t>10/09/2014</a:t>
             </a:fld>
             <a:endParaRPr lang="en-GB"/>
           </a:p>
@@ -2738,8 +2738,8 @@
         </p:nvSpPr>
         <p:spPr>
           <a:xfrm>
-            <a:off x="3690470" y="11345795"/>
-            <a:ext cx="3420429" cy="651732"/>
+            <a:off x="3690472" y="12013801"/>
+            <a:ext cx="3420429" cy="690104"/>
           </a:xfrm>
           <a:prstGeom prst="rect">
             <a:avLst/>
@@ -2775,8 +2775,8 @@
         </p:nvSpPr>
         <p:spPr>
           <a:xfrm>
-            <a:off x="7740977" y="11345795"/>
-            <a:ext cx="2520315" cy="651732"/>
+            <a:off x="7740979" y="12013801"/>
+            <a:ext cx="2520315" cy="690104"/>
           </a:xfrm>
           <a:prstGeom prst="rect">
             <a:avLst/>
@@ -3097,7 +3097,7 @@
       </p:grpSpPr>
       <p:pic>
         <p:nvPicPr>
-          <p:cNvPr id="56" name="Picture 45" descr="C:\Users\Wendy\Documents\wwn20\Thesis\Chapter7\Figures\Fig8\Scale.png"/>
+          <p:cNvPr id="214" name="Picture 45" descr="C:\Users\Wendy\Documents\wwn20\Thesis\Chapter7\Figures\Fig8\Scale.png"/>
           <p:cNvPicPr>
             <a:picLocks noChangeAspect="1" noChangeArrowheads="1"/>
           </p:cNvPicPr>
@@ -3116,8 +3116,8 @@
         </p:blipFill>
         <p:spPr bwMode="auto">
           <a:xfrm>
-            <a:off x="8825026" y="11582086"/>
-            <a:ext cx="1863685" cy="583911"/>
+            <a:off x="7927412" y="12056290"/>
+            <a:ext cx="2880000" cy="902333"/>
           </a:xfrm>
           <a:prstGeom prst="rect">
             <a:avLst/>
@@ -3136,13 +3136,13 @@
       </p:pic>
       <p:grpSp>
         <p:nvGrpSpPr>
-          <p:cNvPr id="57" name="Group 56"/>
+          <p:cNvPr id="215" name="Group 214"/>
           <p:cNvGrpSpPr/>
           <p:nvPr/>
         </p:nvGrpSpPr>
         <p:grpSpPr>
           <a:xfrm>
-            <a:off x="5774724" y="539512"/>
+            <a:off x="5846732" y="256258"/>
             <a:ext cx="3600000" cy="1004135"/>
             <a:chOff x="1360079" y="4626589"/>
             <a:chExt cx="5434320" cy="1004135"/>
@@ -3150,7 +3150,7 @@
         </p:grpSpPr>
         <p:sp>
           <p:nvSpPr>
-            <p:cNvPr id="58" name="Rectangle 57"/>
+            <p:cNvPr id="216" name="Rectangle 215"/>
             <p:cNvSpPr/>
             <p:nvPr/>
           </p:nvSpPr>
@@ -3302,7 +3302,7 @@
         </p:sp>
         <p:sp>
           <p:nvSpPr>
-            <p:cNvPr id="59" name="Rectangle 58"/>
+            <p:cNvPr id="217" name="Rectangle 216"/>
             <p:cNvSpPr/>
             <p:nvPr/>
           </p:nvSpPr>
@@ -3454,7 +3454,7 @@
         </p:sp>
         <p:sp>
           <p:nvSpPr>
-            <p:cNvPr id="60" name="Rectangle 59"/>
+            <p:cNvPr id="218" name="Rectangle 217"/>
             <p:cNvSpPr/>
             <p:nvPr/>
           </p:nvSpPr>
@@ -3606,7 +3606,7 @@
         </p:sp>
         <p:sp>
           <p:nvSpPr>
-            <p:cNvPr id="65" name="Rectangle 64"/>
+            <p:cNvPr id="219" name="Rectangle 218"/>
             <p:cNvSpPr/>
             <p:nvPr/>
           </p:nvSpPr>
@@ -3758,7 +3758,7 @@
         </p:sp>
         <p:sp>
           <p:nvSpPr>
-            <p:cNvPr id="66" name="Rectangle 65"/>
+            <p:cNvPr id="220" name="Rectangle 219"/>
             <p:cNvSpPr/>
             <p:nvPr/>
           </p:nvSpPr>
@@ -3910,7 +3910,7 @@
         </p:sp>
         <p:sp>
           <p:nvSpPr>
-            <p:cNvPr id="67" name="Rectangle 66"/>
+            <p:cNvPr id="221" name="Rectangle 220"/>
             <p:cNvSpPr/>
             <p:nvPr/>
           </p:nvSpPr>
@@ -4063,7 +4063,7 @@
       </p:grpSp>
       <p:pic>
         <p:nvPicPr>
-          <p:cNvPr id="68" name="Picture 44" descr="C:\Users\Wendy\Documents\wwn20\Data\PbI4_grating\SEM\2012\11 - November\121112-Ag_Gratings\5_00.tif"/>
+          <p:cNvPr id="222" name="Picture 44" descr="C:\Users\Wendy\Documents\wwn20\Data\PbI4_grating\SEM\2012\11 - November\121112-Ag_Gratings\5_00.tif"/>
           <p:cNvPicPr>
             <a:picLocks noChangeAspect="1" noChangeArrowheads="1"/>
           </p:cNvPicPr>
@@ -4077,13 +4077,13 @@
               </a:ext>
             </a:extLst>
           </a:blip>
-          <a:srcRect l="34064" t="12706" r="29335" b="59380"/>
+          <a:srcRect l="34064" t="20214" r="29335" b="59380"/>
           <a:stretch/>
         </p:blipFill>
         <p:spPr bwMode="auto">
           <a:xfrm>
-            <a:off x="1324121" y="108099"/>
-            <a:ext cx="3302798" cy="1889232"/>
+            <a:off x="1324121" y="36414"/>
+            <a:ext cx="3302798" cy="1381061"/>
           </a:xfrm>
           <a:prstGeom prst="rect">
             <a:avLst/>
@@ -4102,7 +4102,7 @@
       </p:pic>
       <p:pic>
         <p:nvPicPr>
-          <p:cNvPr id="69" name="Picture 43" descr="C:\Users\Wendy\Documents\wwn20\Thesis\Chapter7\Figures\Fig8\Spec_TE.png"/>
+          <p:cNvPr id="223" name="Picture 43" descr="C:\Users\Wendy\Documents\wwn20\Thesis\Chapter7\Figures\Fig8\Spec_TE.png"/>
           <p:cNvPicPr>
             <a:picLocks noChangeAspect="1" noChangeArrowheads="1"/>
           </p:cNvPicPr>
@@ -4123,8 +4123,8 @@
         </p:blipFill>
         <p:spPr bwMode="auto">
           <a:xfrm>
-            <a:off x="1363298" y="9771026"/>
-            <a:ext cx="3600000" cy="2444252"/>
+            <a:off x="1363298" y="9764659"/>
+            <a:ext cx="4680000" cy="3177528"/>
           </a:xfrm>
           <a:prstGeom prst="rect">
             <a:avLst/>
@@ -4143,7 +4143,7 @@
       </p:pic>
       <p:pic>
         <p:nvPicPr>
-          <p:cNvPr id="70" name="Picture 42" descr="C:\Users\Wendy\Documents\wwn20\Thesis\Chapter7\Figures\Fig8\Spec_TM.png"/>
+          <p:cNvPr id="224" name="Picture 42" descr="C:\Users\Wendy\Documents\wwn20\Thesis\Chapter7\Figures\Fig8\Spec_TM.png"/>
           <p:cNvPicPr>
             <a:picLocks noChangeAspect="1" noChangeArrowheads="1"/>
           </p:cNvPicPr>
@@ -4164,8 +4164,8 @@
         </p:blipFill>
         <p:spPr bwMode="auto">
           <a:xfrm>
-            <a:off x="1435522" y="4680170"/>
-            <a:ext cx="3600000" cy="2444252"/>
+            <a:off x="1435522" y="4112719"/>
+            <a:ext cx="4680000" cy="3177528"/>
           </a:xfrm>
           <a:prstGeom prst="rect">
             <a:avLst/>
@@ -4184,7 +4184,7 @@
       </p:pic>
       <p:pic>
         <p:nvPicPr>
-          <p:cNvPr id="71" name="Picture 41" descr="C:\Users\Wendy\Documents\wwn20\Thesis\Chapter7\Figures\Fig8\Ag_90_TE.png"/>
+          <p:cNvPr id="225" name="Picture 41" descr="C:\Users\Wendy\Documents\wwn20\Thesis\Chapter7\Figures\Fig8\Ag_90_TE.png"/>
           <p:cNvPicPr>
             <a:picLocks noChangeAspect="1" noChangeArrowheads="1"/>
           </p:cNvPicPr>
@@ -4203,7 +4203,7 @@
         </p:blipFill>
         <p:spPr bwMode="auto">
           <a:xfrm>
-            <a:off x="8416909" y="7497431"/>
+            <a:off x="8416909" y="7491064"/>
             <a:ext cx="2254020" cy="2207711"/>
           </a:xfrm>
           <a:prstGeom prst="rect">
@@ -4223,7 +4223,7 @@
       </p:pic>
       <p:pic>
         <p:nvPicPr>
-          <p:cNvPr id="72" name="Picture 40" descr="C:\Users\Wendy\Documents\wwn20\Thesis\Chapter7\Figures\Fig8\Ag_60_TE.png"/>
+          <p:cNvPr id="226" name="Picture 40" descr="C:\Users\Wendy\Documents\wwn20\Thesis\Chapter7\Figures\Fig8\Ag_60_TE.png"/>
           <p:cNvPicPr>
             <a:picLocks noChangeAspect="1" noChangeArrowheads="1"/>
           </p:cNvPicPr>
@@ -4242,7 +4242,7 @@
         </p:blipFill>
         <p:spPr bwMode="auto">
           <a:xfrm>
-            <a:off x="6464553" y="7497431"/>
+            <a:off x="6464553" y="7491064"/>
             <a:ext cx="2216687" cy="2207711"/>
           </a:xfrm>
           <a:prstGeom prst="rect">
@@ -4262,7 +4262,7 @@
       </p:pic>
       <p:pic>
         <p:nvPicPr>
-          <p:cNvPr id="73" name="Picture 39" descr="C:\Users\Wendy\Documents\wwn20\Thesis\Chapter7\Figures\Fig8\Ag_40_TE.png"/>
+          <p:cNvPr id="227" name="Picture 39" descr="C:\Users\Wendy\Documents\wwn20\Thesis\Chapter7\Figures\Fig8\Ag_40_TE.png"/>
           <p:cNvPicPr>
             <a:picLocks noChangeAspect="1" noChangeArrowheads="1"/>
           </p:cNvPicPr>
@@ -4281,7 +4281,7 @@
         </p:blipFill>
         <p:spPr bwMode="auto">
           <a:xfrm>
-            <a:off x="4428788" y="7497431"/>
+            <a:off x="4428788" y="7491064"/>
             <a:ext cx="2259170" cy="2207711"/>
           </a:xfrm>
           <a:prstGeom prst="rect">
@@ -4301,7 +4301,7 @@
       </p:pic>
       <p:pic>
         <p:nvPicPr>
-          <p:cNvPr id="76" name="Picture 38" descr="C:\Users\Wendy\Documents\wwn20\Thesis\Chapter7\Figures\Fig8\Ag_20_TE.png"/>
+          <p:cNvPr id="228" name="Picture 38" descr="C:\Users\Wendy\Documents\wwn20\Thesis\Chapter7\Figures\Fig8\Ag_20_TE.png"/>
           <p:cNvPicPr>
             <a:picLocks noChangeAspect="1" noChangeArrowheads="1"/>
           </p:cNvPicPr>
@@ -4320,7 +4320,7 @@
         </p:blipFill>
         <p:spPr bwMode="auto">
           <a:xfrm>
-            <a:off x="2437498" y="7513333"/>
+            <a:off x="2437498" y="7506966"/>
             <a:ext cx="2246752" cy="2191809"/>
           </a:xfrm>
           <a:prstGeom prst="rect">
@@ -4340,7 +4340,7 @@
       </p:pic>
       <p:pic>
         <p:nvPicPr>
-          <p:cNvPr id="77" name="Picture 36" descr="C:\Users\Wendy\Documents\wwn20\Thesis\Chapter7\Figures\Fig8\Ag_90_TM.png"/>
+          <p:cNvPr id="229" name="Picture 36" descr="C:\Users\Wendy\Documents\wwn20\Thesis\Chapter7\Figures\Fig8\Ag_90_TM.png"/>
           <p:cNvPicPr>
             <a:picLocks noChangeAspect="1" noChangeArrowheads="1"/>
           </p:cNvPicPr>
@@ -4359,7 +4359,7 @@
         </p:blipFill>
         <p:spPr bwMode="auto">
           <a:xfrm>
-            <a:off x="8432811" y="2366273"/>
+            <a:off x="8432811" y="1798822"/>
             <a:ext cx="2233547" cy="2200372"/>
           </a:xfrm>
           <a:prstGeom prst="rect">
@@ -4379,7 +4379,7 @@
       </p:pic>
       <p:pic>
         <p:nvPicPr>
-          <p:cNvPr id="78" name="Picture 35" descr="C:\Users\Wendy\Documents\wwn20\Thesis\Chapter7\Figures\Fig8\Ag_60_TM.png"/>
+          <p:cNvPr id="230" name="Picture 35" descr="C:\Users\Wendy\Documents\wwn20\Thesis\Chapter7\Figures\Fig8\Ag_60_TM.png"/>
           <p:cNvPicPr>
             <a:picLocks noChangeAspect="1" noChangeArrowheads="1"/>
           </p:cNvPicPr>
@@ -4398,7 +4398,7 @@
         </p:blipFill>
         <p:spPr bwMode="auto">
           <a:xfrm>
-            <a:off x="6414060" y="2386745"/>
+            <a:off x="6414060" y="1819294"/>
             <a:ext cx="2245581" cy="2184470"/>
           </a:xfrm>
           <a:prstGeom prst="rect">
@@ -4418,7 +4418,7 @@
       </p:pic>
       <p:pic>
         <p:nvPicPr>
-          <p:cNvPr id="79" name="Picture 34" descr="C:\Users\Wendy\Documents\wwn20\Thesis\Chapter7\Figures\Fig8\Ag_40_TM.png"/>
+          <p:cNvPr id="231" name="Picture 34" descr="C:\Users\Wendy\Documents\wwn20\Thesis\Chapter7\Figures\Fig8\Ag_40_TM.png"/>
           <p:cNvPicPr>
             <a:picLocks noChangeAspect="1" noChangeArrowheads="1"/>
           </p:cNvPicPr>
@@ -4437,7 +4437,7 @@
         </p:blipFill>
         <p:spPr bwMode="auto">
           <a:xfrm>
-            <a:off x="4399238" y="2403775"/>
+            <a:off x="4399238" y="1836324"/>
             <a:ext cx="2267120" cy="2176518"/>
           </a:xfrm>
           <a:prstGeom prst="rect">
@@ -4457,7 +4457,7 @@
       </p:pic>
       <p:pic>
         <p:nvPicPr>
-          <p:cNvPr id="80" name="Picture 33" descr="C:\Users\Wendy\Documents\wwn20\Thesis\Chapter7\Figures\Fig8\Ag_20_TM.png"/>
+          <p:cNvPr id="232" name="Picture 33" descr="C:\Users\Wendy\Documents\wwn20\Thesis\Chapter7\Figures\Fig8\Ag_20_TM.png"/>
           <p:cNvPicPr>
             <a:picLocks noChangeAspect="1" noChangeArrowheads="1"/>
           </p:cNvPicPr>
@@ -4476,7 +4476,7 @@
         </p:blipFill>
         <p:spPr bwMode="auto">
           <a:xfrm>
-            <a:off x="2445449" y="2402647"/>
+            <a:off x="2445449" y="1835196"/>
             <a:ext cx="2238800" cy="2176519"/>
           </a:xfrm>
           <a:prstGeom prst="rect">
@@ -4496,7 +4496,7 @@
       </p:pic>
       <p:pic>
         <p:nvPicPr>
-          <p:cNvPr id="81" name="Picture 32" descr="C:\Users\Wendy\Documents\wwn20\Thesis\Chapter7\Figures\Fig8\Ag_0_TM.png"/>
+          <p:cNvPr id="233" name="Picture 32" descr="C:\Users\Wendy\Documents\wwn20\Thesis\Chapter7\Figures\Fig8\Ag_0_TM.png"/>
           <p:cNvPicPr>
             <a:picLocks noChangeAspect="1" noChangeArrowheads="1"/>
           </p:cNvPicPr>
@@ -4515,7 +4515,7 @@
         </p:blipFill>
         <p:spPr bwMode="auto">
           <a:xfrm>
-            <a:off x="432061" y="2418548"/>
+            <a:off x="432061" y="1851097"/>
             <a:ext cx="2248291" cy="2168569"/>
           </a:xfrm>
           <a:prstGeom prst="rect">
@@ -4535,7 +4535,7 @@
       </p:pic>
       <p:pic>
         <p:nvPicPr>
-          <p:cNvPr id="82" name="Picture 21" descr="C:\Users\Wendy\Documents\wwn20\Thesis\Chapter7\Figures\Fig6\CHPI_ETFE_0_TE.png"/>
+          <p:cNvPr id="234" name="Picture 21" descr="C:\Users\Wendy\Documents\wwn20\Thesis\Chapter7\Figures\Fig6\CHPI_ETFE_0_TE.png"/>
           <p:cNvPicPr>
             <a:picLocks noChangeAspect="1" noChangeArrowheads="1"/>
           </p:cNvPicPr>
@@ -4554,7 +4554,7 @@
         </p:blipFill>
         <p:spPr bwMode="auto">
           <a:xfrm>
-            <a:off x="458209" y="7513334"/>
+            <a:off x="458209" y="7506967"/>
             <a:ext cx="2230094" cy="2175905"/>
           </a:xfrm>
           <a:prstGeom prst="rect">
@@ -4574,13 +4574,13 @@
       </p:pic>
       <p:sp>
         <p:nvSpPr>
-          <p:cNvPr id="84" name="TextBox 83"/>
+          <p:cNvPr id="235" name="TextBox 234"/>
           <p:cNvSpPr txBox="1"/>
           <p:nvPr/>
         </p:nvSpPr>
         <p:spPr>
           <a:xfrm rot="16200000">
-            <a:off x="-853531" y="3048427"/>
+            <a:off x="-853531" y="2480976"/>
             <a:ext cx="2217242" cy="353943"/>
           </a:xfrm>
           <a:prstGeom prst="rect">
@@ -4610,13 +4610,13 @@
       </p:sp>
       <p:sp>
         <p:nvSpPr>
-          <p:cNvPr id="86" name="TextBox 85"/>
+          <p:cNvPr id="236" name="TextBox 235"/>
           <p:cNvSpPr txBox="1"/>
           <p:nvPr/>
         </p:nvSpPr>
         <p:spPr>
           <a:xfrm>
-            <a:off x="5183784" y="4503199"/>
+            <a:off x="5183784" y="3935748"/>
             <a:ext cx="972108" cy="353943"/>
           </a:xfrm>
           <a:prstGeom prst="rect">
@@ -4667,14 +4667,14 @@
       </p:sp>
       <p:sp>
         <p:nvSpPr>
-          <p:cNvPr id="87" name="TextBox 86"/>
+          <p:cNvPr id="237" name="TextBox 236"/>
           <p:cNvSpPr txBox="1"/>
           <p:nvPr/>
         </p:nvSpPr>
         <p:spPr>
           <a:xfrm>
-            <a:off x="718660" y="2010489"/>
-            <a:ext cx="1873703" cy="400110"/>
+            <a:off x="718660" y="1443038"/>
+            <a:ext cx="3071614" cy="477054"/>
           </a:xfrm>
           <a:prstGeom prst="rect">
             <a:avLst/>
@@ -4688,23 +4688,23 @@
           <a:lstStyle/>
           <a:p>
             <a:r>
-              <a:rPr lang="en-GB" sz="2000" b="1" dirty="0" smtClean="0"/>
+              <a:rPr lang="en-GB" sz="2500" b="1" dirty="0" smtClean="0"/>
               <a:t>TM polarisation</a:t>
             </a:r>
-            <a:endParaRPr lang="en-GB" sz="2000" b="1" dirty="0"/>
+            <a:endParaRPr lang="en-GB" sz="2500" b="1" dirty="0"/>
           </a:p>
         </p:txBody>
       </p:sp>
       <p:sp>
         <p:nvSpPr>
-          <p:cNvPr id="88" name="TextBox 87"/>
+          <p:cNvPr id="238" name="TextBox 237"/>
           <p:cNvSpPr txBox="1"/>
           <p:nvPr/>
         </p:nvSpPr>
         <p:spPr>
           <a:xfrm>
-            <a:off x="718660" y="7138037"/>
-            <a:ext cx="1873703" cy="400110"/>
+            <a:off x="718660" y="7131670"/>
+            <a:ext cx="3071614" cy="477054"/>
           </a:xfrm>
           <a:prstGeom prst="rect">
             <a:avLst/>
@@ -4718,22 +4718,22 @@
           <a:lstStyle/>
           <a:p>
             <a:r>
-              <a:rPr lang="en-GB" sz="2000" b="1" dirty="0" smtClean="0"/>
+              <a:rPr lang="en-GB" sz="2500" b="1" dirty="0" smtClean="0"/>
               <a:t>TE polarisation</a:t>
             </a:r>
-            <a:endParaRPr lang="en-GB" sz="2000" b="1" dirty="0"/>
+            <a:endParaRPr lang="en-GB" sz="2500" b="1" dirty="0"/>
           </a:p>
         </p:txBody>
       </p:sp>
       <p:sp>
         <p:nvSpPr>
-          <p:cNvPr id="89" name="TextBox 88"/>
+          <p:cNvPr id="239" name="TextBox 238"/>
           <p:cNvSpPr txBox="1"/>
           <p:nvPr/>
         </p:nvSpPr>
         <p:spPr>
           <a:xfrm rot="16200000">
-            <a:off x="-859566" y="8186648"/>
+            <a:off x="-859566" y="8180281"/>
             <a:ext cx="2217242" cy="353943"/>
           </a:xfrm>
           <a:prstGeom prst="rect">
@@ -4763,13 +4763,13 @@
       </p:sp>
       <p:sp>
         <p:nvSpPr>
-          <p:cNvPr id="90" name="TextBox 89"/>
+          <p:cNvPr id="240" name="TextBox 239"/>
           <p:cNvSpPr txBox="1"/>
           <p:nvPr/>
         </p:nvSpPr>
         <p:spPr>
           <a:xfrm>
-            <a:off x="5177749" y="9641420"/>
+            <a:off x="5177749" y="9635053"/>
             <a:ext cx="972108" cy="353943"/>
           </a:xfrm>
           <a:prstGeom prst="rect">
@@ -4820,13 +4820,13 @@
       </p:sp>
       <p:sp>
         <p:nvSpPr>
-          <p:cNvPr id="92" name="TextBox 91"/>
+          <p:cNvPr id="241" name="TextBox 240"/>
           <p:cNvSpPr txBox="1"/>
           <p:nvPr/>
         </p:nvSpPr>
         <p:spPr>
           <a:xfrm>
-            <a:off x="4666436" y="4047820"/>
+            <a:off x="4666436" y="3480369"/>
             <a:ext cx="1022598" cy="369332"/>
           </a:xfrm>
           <a:prstGeom prst="rect">
@@ -4858,13 +4858,13 @@
       </p:sp>
       <p:sp>
         <p:nvSpPr>
-          <p:cNvPr id="93" name="TextBox 92"/>
+          <p:cNvPr id="242" name="TextBox 241"/>
           <p:cNvSpPr txBox="1"/>
           <p:nvPr/>
         </p:nvSpPr>
         <p:spPr>
           <a:xfrm>
-            <a:off x="6653058" y="4047820"/>
+            <a:off x="6653058" y="3480369"/>
             <a:ext cx="1022598" cy="369332"/>
           </a:xfrm>
           <a:prstGeom prst="rect">
@@ -4896,13 +4896,13 @@
       </p:sp>
       <p:sp>
         <p:nvSpPr>
-          <p:cNvPr id="94" name="TextBox 93"/>
+          <p:cNvPr id="243" name="TextBox 242"/>
           <p:cNvSpPr txBox="1"/>
           <p:nvPr/>
         </p:nvSpPr>
         <p:spPr>
           <a:xfrm>
-            <a:off x="8645202" y="4047820"/>
+            <a:off x="8645202" y="3480369"/>
             <a:ext cx="1022598" cy="369332"/>
           </a:xfrm>
           <a:prstGeom prst="rect">
@@ -4934,13 +4934,13 @@
       </p:sp>
       <p:sp>
         <p:nvSpPr>
-          <p:cNvPr id="95" name="TextBox 94"/>
+          <p:cNvPr id="244" name="TextBox 243"/>
           <p:cNvSpPr txBox="1"/>
           <p:nvPr/>
         </p:nvSpPr>
         <p:spPr>
           <a:xfrm>
-            <a:off x="2767676" y="9101940"/>
+            <a:off x="2767676" y="9095573"/>
             <a:ext cx="1022598" cy="369332"/>
           </a:xfrm>
           <a:prstGeom prst="rect">
@@ -4972,13 +4972,13 @@
       </p:sp>
       <p:sp>
         <p:nvSpPr>
-          <p:cNvPr id="96" name="TextBox 95"/>
+          <p:cNvPr id="245" name="TextBox 244"/>
           <p:cNvSpPr txBox="1"/>
           <p:nvPr/>
         </p:nvSpPr>
         <p:spPr>
           <a:xfrm>
-            <a:off x="4763622" y="9101940"/>
+            <a:off x="4763622" y="9095573"/>
             <a:ext cx="1022598" cy="369332"/>
           </a:xfrm>
           <a:prstGeom prst="rect">
@@ -5010,13 +5010,13 @@
       </p:sp>
       <p:sp>
         <p:nvSpPr>
-          <p:cNvPr id="97" name="TextBox 96"/>
+          <p:cNvPr id="246" name="TextBox 245"/>
           <p:cNvSpPr txBox="1"/>
           <p:nvPr/>
         </p:nvSpPr>
         <p:spPr>
           <a:xfrm>
-            <a:off x="6763832" y="9101940"/>
+            <a:off x="6763832" y="9095573"/>
             <a:ext cx="1022598" cy="369332"/>
           </a:xfrm>
           <a:prstGeom prst="rect">
@@ -5048,13 +5048,13 @@
       </p:sp>
       <p:sp>
         <p:nvSpPr>
-          <p:cNvPr id="98" name="TextBox 97"/>
+          <p:cNvPr id="247" name="TextBox 246"/>
           <p:cNvSpPr txBox="1"/>
           <p:nvPr/>
         </p:nvSpPr>
         <p:spPr>
           <a:xfrm>
-            <a:off x="8797542" y="9101940"/>
+            <a:off x="8797542" y="9095573"/>
             <a:ext cx="1022598" cy="369332"/>
           </a:xfrm>
           <a:prstGeom prst="rect">
@@ -5086,13 +5086,13 @@
       </p:sp>
       <p:sp>
         <p:nvSpPr>
-          <p:cNvPr id="99" name="Freeform 98"/>
+          <p:cNvPr id="248" name="Freeform 247"/>
           <p:cNvSpPr/>
           <p:nvPr/>
         </p:nvSpPr>
         <p:spPr>
           <a:xfrm>
-            <a:off x="834327" y="4556235"/>
+            <a:off x="834327" y="3988784"/>
             <a:ext cx="446970" cy="1109679"/>
           </a:xfrm>
           <a:custGeom>
@@ -5175,13 +5175,13 @@
       </p:sp>
       <p:sp>
         <p:nvSpPr>
-          <p:cNvPr id="100" name="Freeform 99"/>
+          <p:cNvPr id="249" name="Freeform 248"/>
           <p:cNvSpPr/>
           <p:nvPr/>
         </p:nvSpPr>
         <p:spPr>
           <a:xfrm>
-            <a:off x="834327" y="9689237"/>
+            <a:off x="834327" y="9682870"/>
             <a:ext cx="446970" cy="1109679"/>
           </a:xfrm>
           <a:custGeom>
@@ -5264,13 +5264,13 @@
       </p:sp>
       <p:cxnSp>
         <p:nvCxnSpPr>
-          <p:cNvPr id="101" name="Straight Connector 100"/>
+          <p:cNvPr id="250" name="Straight Connector 249"/>
           <p:cNvCxnSpPr/>
           <p:nvPr/>
         </p:nvCxnSpPr>
         <p:spPr>
           <a:xfrm>
-            <a:off x="1059159" y="2496435"/>
+            <a:off x="1059159" y="1928984"/>
             <a:ext cx="0" cy="1872000"/>
           </a:xfrm>
           <a:prstGeom prst="line">
@@ -5300,13 +5300,13 @@
       </p:cxnSp>
       <p:cxnSp>
         <p:nvCxnSpPr>
-          <p:cNvPr id="109" name="Straight Connector 108"/>
+          <p:cNvPr id="251" name="Straight Connector 250"/>
           <p:cNvCxnSpPr/>
           <p:nvPr/>
         </p:nvCxnSpPr>
         <p:spPr>
           <a:xfrm>
-            <a:off x="1060735" y="7610130"/>
+            <a:off x="1060735" y="7603763"/>
             <a:ext cx="0" cy="1872000"/>
           </a:xfrm>
           <a:prstGeom prst="line">
@@ -5336,13 +5336,13 @@
       </p:cxnSp>
       <p:cxnSp>
         <p:nvCxnSpPr>
-          <p:cNvPr id="121" name="Straight Connector 120"/>
+          <p:cNvPr id="252" name="Straight Connector 251"/>
           <p:cNvCxnSpPr/>
           <p:nvPr/>
         </p:nvCxnSpPr>
         <p:spPr>
           <a:xfrm>
-            <a:off x="1688512" y="7610130"/>
+            <a:off x="1688512" y="7603763"/>
             <a:ext cx="0" cy="1872000"/>
           </a:xfrm>
           <a:prstGeom prst="line">
@@ -5372,13 +5372,13 @@
       </p:cxnSp>
       <p:sp>
         <p:nvSpPr>
-          <p:cNvPr id="132" name="TextBox 131"/>
+          <p:cNvPr id="253" name="TextBox 252"/>
           <p:cNvSpPr txBox="1"/>
           <p:nvPr/>
         </p:nvSpPr>
         <p:spPr>
           <a:xfrm>
-            <a:off x="735921" y="9101940"/>
+            <a:off x="735921" y="9095573"/>
             <a:ext cx="843475" cy="369332"/>
           </a:xfrm>
           <a:prstGeom prst="rect">
@@ -5410,13 +5410,13 @@
       </p:sp>
       <p:cxnSp>
         <p:nvCxnSpPr>
-          <p:cNvPr id="133" name="Straight Connector 132"/>
+          <p:cNvPr id="254" name="Straight Connector 253"/>
           <p:cNvCxnSpPr/>
           <p:nvPr/>
         </p:nvCxnSpPr>
         <p:spPr>
           <a:xfrm>
-            <a:off x="2304570" y="7611972"/>
+            <a:off x="2304570" y="7605605"/>
             <a:ext cx="0" cy="1872000"/>
           </a:xfrm>
           <a:prstGeom prst="line">
@@ -5446,13 +5446,13 @@
       </p:cxnSp>
       <p:cxnSp>
         <p:nvCxnSpPr>
-          <p:cNvPr id="134" name="Straight Connector 133"/>
+          <p:cNvPr id="255" name="Straight Connector 254"/>
           <p:cNvCxnSpPr/>
           <p:nvPr/>
         </p:nvCxnSpPr>
         <p:spPr>
           <a:xfrm>
-            <a:off x="6159291" y="616270"/>
+            <a:off x="6231299" y="333016"/>
             <a:ext cx="396000" cy="0"/>
           </a:xfrm>
           <a:prstGeom prst="line">
@@ -5480,13 +5480,13 @@
       </p:cxnSp>
       <p:sp>
         <p:nvSpPr>
-          <p:cNvPr id="135" name="TextBox 134"/>
+          <p:cNvPr id="256" name="TextBox 255"/>
           <p:cNvSpPr txBox="1"/>
           <p:nvPr/>
         </p:nvSpPr>
         <p:spPr>
           <a:xfrm>
-            <a:off x="5923297" y="211518"/>
+            <a:off x="5995305" y="-71736"/>
             <a:ext cx="972405" cy="400110"/>
           </a:xfrm>
           <a:prstGeom prst="rect">
@@ -5510,13 +5510,13 @@
       </p:sp>
       <p:cxnSp>
         <p:nvCxnSpPr>
-          <p:cNvPr id="138" name="Straight Connector 137"/>
+          <p:cNvPr id="257" name="Straight Connector 256"/>
           <p:cNvCxnSpPr/>
           <p:nvPr/>
         </p:nvCxnSpPr>
         <p:spPr>
           <a:xfrm>
-            <a:off x="9104415" y="538698"/>
+            <a:off x="9176423" y="255444"/>
             <a:ext cx="0" cy="523513"/>
           </a:xfrm>
           <a:prstGeom prst="line">
@@ -5544,13 +5544,13 @@
       </p:cxnSp>
       <p:sp>
         <p:nvSpPr>
-          <p:cNvPr id="139" name="TextBox 138"/>
+          <p:cNvPr id="258" name="TextBox 257"/>
           <p:cNvSpPr txBox="1"/>
           <p:nvPr/>
         </p:nvSpPr>
         <p:spPr>
           <a:xfrm>
-            <a:off x="9104415" y="612155"/>
+            <a:off x="9176423" y="328901"/>
             <a:ext cx="1048788" cy="400110"/>
           </a:xfrm>
           <a:prstGeom prst="rect">
@@ -5574,13 +5574,13 @@
       </p:sp>
       <p:cxnSp>
         <p:nvCxnSpPr>
-          <p:cNvPr id="140" name="Straight Connector 139"/>
+          <p:cNvPr id="259" name="Straight Connector 258"/>
           <p:cNvCxnSpPr/>
           <p:nvPr/>
         </p:nvCxnSpPr>
         <p:spPr>
           <a:xfrm>
-            <a:off x="7379723" y="1061966"/>
+            <a:off x="7451731" y="778712"/>
             <a:ext cx="828000" cy="0"/>
           </a:xfrm>
           <a:prstGeom prst="line">
@@ -5608,13 +5608,13 @@
       </p:cxnSp>
       <p:sp>
         <p:nvSpPr>
-          <p:cNvPr id="141" name="TextBox 140"/>
+          <p:cNvPr id="260" name="TextBox 259"/>
           <p:cNvSpPr txBox="1"/>
           <p:nvPr/>
         </p:nvSpPr>
         <p:spPr>
           <a:xfrm>
-            <a:off x="7236427" y="1056728"/>
+            <a:off x="7308435" y="773474"/>
             <a:ext cx="1332600" cy="400110"/>
           </a:xfrm>
           <a:prstGeom prst="rect">
@@ -5642,7 +5642,7 @@
       </p:sp>
       <p:pic>
         <p:nvPicPr>
-          <p:cNvPr id="142" name="Picture 37" descr="C:\Users\Wendy\Documents\wwn20\Thesis\Chapter7\Figures\Fig8\Ag_0_TE.png"/>
+          <p:cNvPr id="261" name="Picture 37" descr="C:\Users\Wendy\Documents\wwn20\Thesis\Chapter7\Figures\Fig8\Ag_0_TE.png"/>
           <p:cNvPicPr>
             <a:picLocks noChangeAspect="1" noChangeArrowheads="1"/>
           </p:cNvPicPr>
@@ -5661,7 +5661,7 @@
         </p:blipFill>
         <p:spPr bwMode="auto">
           <a:xfrm>
-            <a:off x="426026" y="7538147"/>
+            <a:off x="426026" y="7531780"/>
             <a:ext cx="2262277" cy="2166995"/>
           </a:xfrm>
           <a:prstGeom prst="rect">
@@ -5681,13 +5681,13 @@
       </p:pic>
       <p:cxnSp>
         <p:nvCxnSpPr>
-          <p:cNvPr id="143" name="Straight Connector 142"/>
+          <p:cNvPr id="262" name="Straight Connector 261"/>
           <p:cNvCxnSpPr/>
           <p:nvPr/>
         </p:nvCxnSpPr>
         <p:spPr>
           <a:xfrm>
-            <a:off x="1062473" y="7603177"/>
+            <a:off x="1062473" y="7596810"/>
             <a:ext cx="0" cy="1872000"/>
           </a:xfrm>
           <a:prstGeom prst="line">
@@ -5717,13 +5717,13 @@
       </p:cxnSp>
       <p:sp>
         <p:nvSpPr>
-          <p:cNvPr id="144" name="TextBox 143"/>
+          <p:cNvPr id="263" name="TextBox 262"/>
           <p:cNvSpPr txBox="1"/>
           <p:nvPr/>
         </p:nvSpPr>
         <p:spPr>
           <a:xfrm>
-            <a:off x="735921" y="9101940"/>
+            <a:off x="735921" y="9095573"/>
             <a:ext cx="843475" cy="369332"/>
           </a:xfrm>
           <a:prstGeom prst="rect">
@@ -5755,13 +5755,13 @@
       </p:sp>
       <p:cxnSp>
         <p:nvCxnSpPr>
-          <p:cNvPr id="145" name="Straight Connector 144"/>
+          <p:cNvPr id="264" name="Straight Connector 263"/>
           <p:cNvCxnSpPr/>
           <p:nvPr/>
         </p:nvCxnSpPr>
         <p:spPr>
           <a:xfrm>
-            <a:off x="3657917" y="1831462"/>
+            <a:off x="3657917" y="1251607"/>
             <a:ext cx="892800" cy="0"/>
           </a:xfrm>
           <a:prstGeom prst="line">
@@ -5790,13 +5790,13 @@
       </p:cxnSp>
       <p:sp>
         <p:nvSpPr>
-          <p:cNvPr id="146" name="TextBox 145"/>
+          <p:cNvPr id="265" name="TextBox 264"/>
           <p:cNvSpPr txBox="1"/>
           <p:nvPr/>
         </p:nvSpPr>
         <p:spPr>
           <a:xfrm>
-            <a:off x="3755156" y="1434312"/>
+            <a:off x="3755156" y="854457"/>
             <a:ext cx="773462" cy="430887"/>
           </a:xfrm>
           <a:prstGeom prst="rect">
@@ -5828,13 +5828,13 @@
       </p:sp>
       <p:sp>
         <p:nvSpPr>
-          <p:cNvPr id="147" name="TextBox 146"/>
+          <p:cNvPr id="266" name="TextBox 265"/>
           <p:cNvSpPr txBox="1"/>
           <p:nvPr/>
         </p:nvSpPr>
         <p:spPr>
           <a:xfrm>
-            <a:off x="720155" y="26928"/>
+            <a:off x="648147" y="26928"/>
             <a:ext cx="642037" cy="477054"/>
           </a:xfrm>
           <a:prstGeom prst="rect">
@@ -5858,7 +5858,7 @@
       </p:sp>
       <p:sp>
         <p:nvSpPr>
-          <p:cNvPr id="148" name="TextBox 147"/>
+          <p:cNvPr id="267" name="TextBox 266"/>
           <p:cNvSpPr txBox="1"/>
           <p:nvPr/>
         </p:nvSpPr>
@@ -5888,13 +5888,13 @@
       </p:sp>
       <p:sp>
         <p:nvSpPr>
-          <p:cNvPr id="149" name="TextBox 148"/>
+          <p:cNvPr id="268" name="TextBox 267"/>
           <p:cNvSpPr txBox="1"/>
           <p:nvPr/>
         </p:nvSpPr>
         <p:spPr>
           <a:xfrm>
-            <a:off x="61827" y="1972017"/>
+            <a:off x="61827" y="1404566"/>
             <a:ext cx="645764" cy="477054"/>
           </a:xfrm>
           <a:prstGeom prst="rect">
@@ -5918,13 +5918,13 @@
       </p:sp>
       <p:sp>
         <p:nvSpPr>
-          <p:cNvPr id="150" name="TextBox 149"/>
+          <p:cNvPr id="269" name="TextBox 268"/>
           <p:cNvSpPr txBox="1"/>
           <p:nvPr/>
         </p:nvSpPr>
         <p:spPr>
           <a:xfrm>
-            <a:off x="61551" y="7099565"/>
+            <a:off x="61551" y="7093198"/>
             <a:ext cx="645764" cy="477054"/>
           </a:xfrm>
           <a:prstGeom prst="rect">
@@ -5948,13 +5948,13 @@
       </p:sp>
       <p:sp>
         <p:nvSpPr>
-          <p:cNvPr id="151" name="TextBox 150"/>
+          <p:cNvPr id="270" name="TextBox 269"/>
           <p:cNvSpPr txBox="1"/>
           <p:nvPr/>
         </p:nvSpPr>
         <p:spPr>
           <a:xfrm>
-            <a:off x="1226519" y="4667761"/>
+            <a:off x="1226519" y="4100310"/>
             <a:ext cx="645764" cy="477054"/>
           </a:xfrm>
           <a:prstGeom prst="rect">
@@ -5978,13 +5978,13 @@
       </p:sp>
       <p:sp>
         <p:nvSpPr>
-          <p:cNvPr id="152" name="TextBox 151"/>
+          <p:cNvPr id="271" name="TextBox 270"/>
           <p:cNvSpPr txBox="1"/>
           <p:nvPr/>
         </p:nvSpPr>
         <p:spPr>
           <a:xfrm>
-            <a:off x="1226519" y="9748008"/>
+            <a:off x="1226519" y="9741641"/>
             <a:ext cx="645764" cy="477054"/>
           </a:xfrm>
           <a:prstGeom prst="rect">
@@ -6008,13 +6008,13 @@
       </p:sp>
       <p:sp>
         <p:nvSpPr>
-          <p:cNvPr id="153" name="Freeform 152"/>
+          <p:cNvPr id="272" name="Freeform 271"/>
           <p:cNvSpPr/>
           <p:nvPr/>
         </p:nvSpPr>
         <p:spPr>
           <a:xfrm>
-            <a:off x="757394" y="8042833"/>
+            <a:off x="757394" y="8036466"/>
             <a:ext cx="1854309" cy="1429898"/>
           </a:xfrm>
           <a:custGeom>
@@ -6561,13 +6561,13 @@
       </p:sp>
       <p:sp>
         <p:nvSpPr>
-          <p:cNvPr id="154" name="Freeform 153"/>
+          <p:cNvPr id="273" name="Freeform 272"/>
           <p:cNvSpPr/>
           <p:nvPr/>
         </p:nvSpPr>
         <p:spPr>
           <a:xfrm>
-            <a:off x="2754396" y="7982054"/>
+            <a:off x="2754396" y="7975687"/>
             <a:ext cx="1868514" cy="1324563"/>
           </a:xfrm>
           <a:custGeom>
@@ -7012,13 +7012,13 @@
       </p:sp>
       <p:sp>
         <p:nvSpPr>
-          <p:cNvPr id="155" name="Freeform 154"/>
+          <p:cNvPr id="274" name="Freeform 273"/>
           <p:cNvSpPr/>
           <p:nvPr/>
         </p:nvSpPr>
         <p:spPr>
           <a:xfrm>
-            <a:off x="4763765" y="7947116"/>
+            <a:off x="4763765" y="7940749"/>
             <a:ext cx="1853097" cy="646912"/>
           </a:xfrm>
           <a:custGeom>
@@ -7837,13 +7837,13 @@
       </p:sp>
       <p:sp>
         <p:nvSpPr>
-          <p:cNvPr id="156" name="Freeform 155"/>
+          <p:cNvPr id="275" name="Freeform 274"/>
           <p:cNvSpPr/>
           <p:nvPr/>
         </p:nvSpPr>
         <p:spPr>
           <a:xfrm>
-            <a:off x="6752360" y="7672975"/>
+            <a:off x="6752360" y="7666608"/>
             <a:ext cx="1680095" cy="296723"/>
           </a:xfrm>
           <a:custGeom>
@@ -9106,13 +9106,13 @@
       </p:sp>
       <p:sp>
         <p:nvSpPr>
-          <p:cNvPr id="157" name="Freeform 156"/>
+          <p:cNvPr id="276" name="Freeform 275"/>
           <p:cNvSpPr/>
           <p:nvPr/>
         </p:nvSpPr>
         <p:spPr>
           <a:xfrm>
-            <a:off x="735923" y="2939946"/>
+            <a:off x="735923" y="2372495"/>
             <a:ext cx="1854309" cy="1429898"/>
           </a:xfrm>
           <a:custGeom>
@@ -9659,13 +9659,13 @@
       </p:sp>
       <p:sp>
         <p:nvSpPr>
-          <p:cNvPr id="158" name="Freeform 157"/>
+          <p:cNvPr id="277" name="Freeform 276"/>
           <p:cNvSpPr/>
           <p:nvPr/>
         </p:nvSpPr>
         <p:spPr>
           <a:xfrm>
-            <a:off x="2746573" y="2926935"/>
+            <a:off x="2746573" y="2359484"/>
             <a:ext cx="1868514" cy="1324563"/>
           </a:xfrm>
           <a:custGeom>
@@ -10110,13 +10110,13 @@
       </p:sp>
       <p:sp>
         <p:nvSpPr>
-          <p:cNvPr id="159" name="Freeform 158"/>
+          <p:cNvPr id="278" name="Freeform 277"/>
           <p:cNvSpPr/>
           <p:nvPr/>
         </p:nvSpPr>
         <p:spPr>
           <a:xfrm>
-            <a:off x="4742294" y="2885174"/>
+            <a:off x="4742294" y="2317723"/>
             <a:ext cx="1839449" cy="790214"/>
           </a:xfrm>
           <a:custGeom>
@@ -11031,13 +11031,13 @@
       </p:sp>
       <p:sp>
         <p:nvSpPr>
-          <p:cNvPr id="160" name="Freeform 159"/>
+          <p:cNvPr id="279" name="Freeform 278"/>
           <p:cNvSpPr/>
           <p:nvPr/>
         </p:nvSpPr>
         <p:spPr>
           <a:xfrm>
-            <a:off x="6737714" y="2769549"/>
+            <a:off x="6737714" y="2202098"/>
             <a:ext cx="1836146" cy="166162"/>
           </a:xfrm>
           <a:custGeom>
@@ -12428,13 +12428,13 @@
       </p:sp>
       <p:sp>
         <p:nvSpPr>
-          <p:cNvPr id="161" name="Freeform 160"/>
+          <p:cNvPr id="280" name="Freeform 279"/>
           <p:cNvSpPr/>
           <p:nvPr/>
         </p:nvSpPr>
         <p:spPr>
           <a:xfrm>
-            <a:off x="742747" y="3742236"/>
+            <a:off x="742747" y="3174785"/>
             <a:ext cx="769496" cy="627608"/>
           </a:xfrm>
           <a:custGeom>
@@ -13117,13 +13117,13 @@
       </p:sp>
       <p:sp>
         <p:nvSpPr>
-          <p:cNvPr id="102" name="TextBox 101"/>
+          <p:cNvPr id="281" name="TextBox 280"/>
           <p:cNvSpPr txBox="1"/>
           <p:nvPr/>
         </p:nvSpPr>
         <p:spPr>
           <a:xfrm>
-            <a:off x="674706" y="4053758"/>
+            <a:off x="674706" y="3486307"/>
             <a:ext cx="843475" cy="369332"/>
           </a:xfrm>
           <a:prstGeom prst="rect">
@@ -13155,13 +13155,13 @@
       </p:sp>
       <p:sp>
         <p:nvSpPr>
-          <p:cNvPr id="162" name="Freeform 161"/>
+          <p:cNvPr id="282" name="Freeform 281"/>
           <p:cNvSpPr/>
           <p:nvPr/>
         </p:nvSpPr>
         <p:spPr>
           <a:xfrm>
-            <a:off x="2746573" y="3706412"/>
+            <a:off x="2746573" y="3138961"/>
             <a:ext cx="818276" cy="627608"/>
           </a:xfrm>
           <a:custGeom>
@@ -13844,13 +13844,13 @@
       </p:sp>
       <p:sp>
         <p:nvSpPr>
-          <p:cNvPr id="91" name="TextBox 90"/>
+          <p:cNvPr id="283" name="TextBox 282"/>
           <p:cNvSpPr txBox="1"/>
           <p:nvPr/>
         </p:nvSpPr>
         <p:spPr>
           <a:xfrm>
-            <a:off x="2668778" y="4053758"/>
+            <a:off x="2668778" y="3486307"/>
             <a:ext cx="1022598" cy="369332"/>
           </a:xfrm>
           <a:prstGeom prst="rect">
@@ -13882,13 +13882,13 @@
       </p:sp>
       <p:sp>
         <p:nvSpPr>
-          <p:cNvPr id="163" name="Freeform 162"/>
+          <p:cNvPr id="284" name="Freeform 283"/>
           <p:cNvSpPr/>
           <p:nvPr/>
         </p:nvSpPr>
         <p:spPr>
           <a:xfrm>
-            <a:off x="4745779" y="3623890"/>
+            <a:off x="4745779" y="3056439"/>
             <a:ext cx="513376" cy="396326"/>
           </a:xfrm>
           <a:custGeom>
@@ -14571,14 +14571,14 @@
       </p:sp>
       <p:cxnSp>
         <p:nvCxnSpPr>
-          <p:cNvPr id="164" name="Straight Arrow Connector 163"/>
+          <p:cNvPr id="285" name="Straight Arrow Connector 284"/>
           <p:cNvCxnSpPr/>
           <p:nvPr/>
         </p:nvCxnSpPr>
         <p:spPr>
           <a:xfrm>
-            <a:off x="3097604" y="5567420"/>
-            <a:ext cx="0" cy="180000"/>
+            <a:off x="3554330" y="5179969"/>
+            <a:ext cx="0" cy="360000"/>
           </a:xfrm>
           <a:prstGeom prst="straightConnector1">
             <a:avLst/>
@@ -14589,7 +14589,7 @@
                 <a:lumMod val="50000"/>
               </a:schemeClr>
             </a:solidFill>
-            <a:tailEnd type="arrow" w="sm" len="sm"/>
+            <a:tailEnd type="arrow" w="lg" len="lg"/>
           </a:ln>
         </p:spPr>
         <p:style>
@@ -14609,14 +14609,14 @@
       </p:cxnSp>
       <p:cxnSp>
         <p:nvCxnSpPr>
-          <p:cNvPr id="165" name="Straight Arrow Connector 164"/>
+          <p:cNvPr id="286" name="Straight Arrow Connector 285"/>
           <p:cNvCxnSpPr/>
           <p:nvPr/>
         </p:nvCxnSpPr>
         <p:spPr>
           <a:xfrm>
-            <a:off x="4193791" y="5975110"/>
-            <a:ext cx="0" cy="180000"/>
+            <a:off x="5009269" y="5670868"/>
+            <a:ext cx="0" cy="360000"/>
           </a:xfrm>
           <a:prstGeom prst="straightConnector1">
             <a:avLst/>
@@ -14625,7 +14625,7 @@
             <a:solidFill>
               <a:schemeClr val="tx1"/>
             </a:solidFill>
-            <a:tailEnd type="arrow" w="sm" len="sm"/>
+            <a:tailEnd type="arrow" w="lg" len="lg"/>
           </a:ln>
         </p:spPr>
         <p:style>
@@ -14645,14 +14645,14 @@
       </p:cxnSp>
       <p:cxnSp>
         <p:nvCxnSpPr>
-          <p:cNvPr id="166" name="Straight Arrow Connector 165"/>
+          <p:cNvPr id="287" name="Straight Arrow Connector 286"/>
           <p:cNvCxnSpPr/>
           <p:nvPr/>
         </p:nvCxnSpPr>
         <p:spPr>
           <a:xfrm>
-            <a:off x="3050663" y="10210810"/>
-            <a:ext cx="0" cy="180000"/>
+            <a:off x="3500846" y="10217664"/>
+            <a:ext cx="0" cy="360000"/>
           </a:xfrm>
           <a:prstGeom prst="straightConnector1">
             <a:avLst/>
@@ -14663,7 +14663,7 @@
                 <a:lumMod val="50000"/>
               </a:schemeClr>
             </a:solidFill>
-            <a:tailEnd type="arrow" w="sm" len="sm"/>
+            <a:tailEnd type="arrow" w="lg" len="lg"/>
           </a:ln>
         </p:spPr>
         <p:style>
@@ -14683,13 +14683,13 @@
       </p:cxnSp>
       <p:sp>
         <p:nvSpPr>
-          <p:cNvPr id="83" name="TextBox 82"/>
+          <p:cNvPr id="288" name="TextBox 287"/>
           <p:cNvSpPr txBox="1"/>
           <p:nvPr/>
         </p:nvSpPr>
         <p:spPr>
           <a:xfrm>
-            <a:off x="9231196" y="1496839"/>
+            <a:off x="9303204" y="1213585"/>
             <a:ext cx="794645" cy="430887"/>
           </a:xfrm>
           <a:prstGeom prst="rect">
@@ -14713,13 +14713,13 @@
       </p:sp>
       <p:cxnSp>
         <p:nvCxnSpPr>
-          <p:cNvPr id="85" name="Straight Connector 84"/>
+          <p:cNvPr id="289" name="Straight Connector 288"/>
           <p:cNvCxnSpPr/>
           <p:nvPr/>
         </p:nvCxnSpPr>
         <p:spPr>
           <a:xfrm>
-            <a:off x="9073015" y="1407139"/>
+            <a:off x="9145023" y="1123885"/>
             <a:ext cx="261296" cy="239742"/>
           </a:xfrm>
           <a:prstGeom prst="line">

--- a/Chapter7/Figures/Fig8.pptx
+++ b/Chapter7/Figures/Fig8.pptx
@@ -288,7 +288,7 @@
           <a:p>
             <a:fld id="{4D792E19-0BEC-4B8D-B7D3-C8ECEB03A1A5}" type="datetimeFigureOut">
               <a:rPr lang="en-GB" smtClean="0"/>
-              <a:t>10/09/2014</a:t>
+              <a:t>27/09/2014</a:t>
             </a:fld>
             <a:endParaRPr lang="en-GB"/>
           </a:p>
@@ -458,7 +458,7 @@
           <a:p>
             <a:fld id="{4D792E19-0BEC-4B8D-B7D3-C8ECEB03A1A5}" type="datetimeFigureOut">
               <a:rPr lang="en-GB" smtClean="0"/>
-              <a:t>10/09/2014</a:t>
+              <a:t>27/09/2014</a:t>
             </a:fld>
             <a:endParaRPr lang="en-GB"/>
           </a:p>
@@ -638,7 +638,7 @@
           <a:p>
             <a:fld id="{4D792E19-0BEC-4B8D-B7D3-C8ECEB03A1A5}" type="datetimeFigureOut">
               <a:rPr lang="en-GB" smtClean="0"/>
-              <a:t>10/09/2014</a:t>
+              <a:t>27/09/2014</a:t>
             </a:fld>
             <a:endParaRPr lang="en-GB"/>
           </a:p>
@@ -808,7 +808,7 @@
           <a:p>
             <a:fld id="{4D792E19-0BEC-4B8D-B7D3-C8ECEB03A1A5}" type="datetimeFigureOut">
               <a:rPr lang="en-GB" smtClean="0"/>
-              <a:t>10/09/2014</a:t>
+              <a:t>27/09/2014</a:t>
             </a:fld>
             <a:endParaRPr lang="en-GB"/>
           </a:p>
@@ -1054,7 +1054,7 @@
           <a:p>
             <a:fld id="{4D792E19-0BEC-4B8D-B7D3-C8ECEB03A1A5}" type="datetimeFigureOut">
               <a:rPr lang="en-GB" smtClean="0"/>
-              <a:t>10/09/2014</a:t>
+              <a:t>27/09/2014</a:t>
             </a:fld>
             <a:endParaRPr lang="en-GB"/>
           </a:p>
@@ -1342,7 +1342,7 @@
           <a:p>
             <a:fld id="{4D792E19-0BEC-4B8D-B7D3-C8ECEB03A1A5}" type="datetimeFigureOut">
               <a:rPr lang="en-GB" smtClean="0"/>
-              <a:t>10/09/2014</a:t>
+              <a:t>27/09/2014</a:t>
             </a:fld>
             <a:endParaRPr lang="en-GB"/>
           </a:p>
@@ -1764,7 +1764,7 @@
           <a:p>
             <a:fld id="{4D792E19-0BEC-4B8D-B7D3-C8ECEB03A1A5}" type="datetimeFigureOut">
               <a:rPr lang="en-GB" smtClean="0"/>
-              <a:t>10/09/2014</a:t>
+              <a:t>27/09/2014</a:t>
             </a:fld>
             <a:endParaRPr lang="en-GB"/>
           </a:p>
@@ -1882,7 +1882,7 @@
           <a:p>
             <a:fld id="{4D792E19-0BEC-4B8D-B7D3-C8ECEB03A1A5}" type="datetimeFigureOut">
               <a:rPr lang="en-GB" smtClean="0"/>
-              <a:t>10/09/2014</a:t>
+              <a:t>27/09/2014</a:t>
             </a:fld>
             <a:endParaRPr lang="en-GB"/>
           </a:p>
@@ -1977,7 +1977,7 @@
           <a:p>
             <a:fld id="{4D792E19-0BEC-4B8D-B7D3-C8ECEB03A1A5}" type="datetimeFigureOut">
               <a:rPr lang="en-GB" smtClean="0"/>
-              <a:t>10/09/2014</a:t>
+              <a:t>27/09/2014</a:t>
             </a:fld>
             <a:endParaRPr lang="en-GB"/>
           </a:p>
@@ -2254,7 +2254,7 @@
           <a:p>
             <a:fld id="{4D792E19-0BEC-4B8D-B7D3-C8ECEB03A1A5}" type="datetimeFigureOut">
               <a:rPr lang="en-GB" smtClean="0"/>
-              <a:t>10/09/2014</a:t>
+              <a:t>27/09/2014</a:t>
             </a:fld>
             <a:endParaRPr lang="en-GB"/>
           </a:p>
@@ -2507,7 +2507,7 @@
           <a:p>
             <a:fld id="{4D792E19-0BEC-4B8D-B7D3-C8ECEB03A1A5}" type="datetimeFigureOut">
               <a:rPr lang="en-GB" smtClean="0"/>
-              <a:t>10/09/2014</a:t>
+              <a:t>27/09/2014</a:t>
             </a:fld>
             <a:endParaRPr lang="en-GB"/>
           </a:p>
@@ -2720,7 +2720,7 @@
           <a:p>
             <a:fld id="{4D792E19-0BEC-4B8D-B7D3-C8ECEB03A1A5}" type="datetimeFigureOut">
               <a:rPr lang="en-GB" smtClean="0"/>
-              <a:t>10/09/2014</a:t>
+              <a:t>27/09/2014</a:t>
             </a:fld>
             <a:endParaRPr lang="en-GB"/>
           </a:p>
@@ -4616,7 +4616,7 @@
         </p:nvSpPr>
         <p:spPr>
           <a:xfrm>
-            <a:off x="5183784" y="3935748"/>
+            <a:off x="5278784" y="3900123"/>
             <a:ext cx="972108" cy="353943"/>
           </a:xfrm>
           <a:prstGeom prst="rect">
@@ -4826,7 +4826,7 @@
         </p:nvSpPr>
         <p:spPr>
           <a:xfrm>
-            <a:off x="4666436" y="3480369"/>
+            <a:off x="4737686" y="3444744"/>
             <a:ext cx="1022598" cy="369332"/>
           </a:xfrm>
           <a:prstGeom prst="rect">
@@ -4864,7 +4864,7 @@
         </p:nvSpPr>
         <p:spPr>
           <a:xfrm>
-            <a:off x="6653058" y="3480369"/>
+            <a:off x="6724308" y="3444744"/>
             <a:ext cx="1022598" cy="369332"/>
           </a:xfrm>
           <a:prstGeom prst="rect">
@@ -4902,7 +4902,7 @@
         </p:nvSpPr>
         <p:spPr>
           <a:xfrm>
-            <a:off x="8645202" y="3480369"/>
+            <a:off x="8716452" y="3444744"/>
             <a:ext cx="1022598" cy="369332"/>
           </a:xfrm>
           <a:prstGeom prst="rect">
@@ -5054,7 +5054,7 @@
         </p:nvSpPr>
         <p:spPr>
           <a:xfrm>
-            <a:off x="8797542" y="9095573"/>
+            <a:off x="8760543" y="9095573"/>
             <a:ext cx="1022598" cy="369332"/>
           </a:xfrm>
           <a:prstGeom prst="rect">
@@ -5270,7 +5270,7 @@
         </p:nvCxnSpPr>
         <p:spPr>
           <a:xfrm>
-            <a:off x="1059159" y="1928984"/>
+            <a:off x="1059159" y="1938509"/>
             <a:ext cx="0" cy="1872000"/>
           </a:xfrm>
           <a:prstGeom prst="line">
@@ -5687,7 +5687,7 @@
         </p:nvCxnSpPr>
         <p:spPr>
           <a:xfrm>
-            <a:off x="1062473" y="7596810"/>
+            <a:off x="1062473" y="7606335"/>
             <a:ext cx="0" cy="1872000"/>
           </a:xfrm>
           <a:prstGeom prst="line">
@@ -13123,7 +13123,7 @@
         </p:nvSpPr>
         <p:spPr>
           <a:xfrm>
-            <a:off x="674706" y="3486307"/>
+            <a:off x="745956" y="3450682"/>
             <a:ext cx="843475" cy="369332"/>
           </a:xfrm>
           <a:prstGeom prst="rect">
@@ -13850,7 +13850,7 @@
         </p:nvSpPr>
         <p:spPr>
           <a:xfrm>
-            <a:off x="2668778" y="3486307"/>
+            <a:off x="2740028" y="3450682"/>
             <a:ext cx="1022598" cy="369332"/>
           </a:xfrm>
           <a:prstGeom prst="rect">
@@ -14746,6 +14746,78 @@
           </a:fontRef>
         </p:style>
       </p:cxnSp>
+      <p:cxnSp>
+        <p:nvCxnSpPr>
+          <p:cNvPr id="3" name="Straight Connector 2"/>
+          <p:cNvCxnSpPr/>
+          <p:nvPr/>
+        </p:nvCxnSpPr>
+        <p:spPr>
+          <a:xfrm flipV="1">
+            <a:off x="7111399" y="8453760"/>
+            <a:ext cx="1476678" cy="576064"/>
+          </a:xfrm>
+          <a:prstGeom prst="line">
+            <a:avLst/>
+          </a:prstGeom>
+          <a:ln w="19050">
+            <a:solidFill>
+              <a:schemeClr val="bg1"/>
+            </a:solidFill>
+            <a:prstDash val="lgDash"/>
+          </a:ln>
+        </p:spPr>
+        <p:style>
+          <a:lnRef idx="1">
+            <a:schemeClr val="accent1"/>
+          </a:lnRef>
+          <a:fillRef idx="0">
+            <a:schemeClr val="accent1"/>
+          </a:fillRef>
+          <a:effectRef idx="0">
+            <a:schemeClr val="accent1"/>
+          </a:effectRef>
+          <a:fontRef idx="minor">
+            <a:schemeClr val="tx1"/>
+          </a:fontRef>
+        </p:style>
+      </p:cxnSp>
+      <p:cxnSp>
+        <p:nvCxnSpPr>
+          <p:cNvPr id="80" name="Straight Connector 79"/>
+          <p:cNvCxnSpPr/>
+          <p:nvPr/>
+        </p:nvCxnSpPr>
+        <p:spPr>
+          <a:xfrm flipV="1">
+            <a:off x="9113381" y="8434710"/>
+            <a:ext cx="1476678" cy="576064"/>
+          </a:xfrm>
+          <a:prstGeom prst="line">
+            <a:avLst/>
+          </a:prstGeom>
+          <a:ln w="19050">
+            <a:solidFill>
+              <a:schemeClr val="bg1"/>
+            </a:solidFill>
+            <a:prstDash val="lgDash"/>
+          </a:ln>
+        </p:spPr>
+        <p:style>
+          <a:lnRef idx="1">
+            <a:schemeClr val="accent1"/>
+          </a:lnRef>
+          <a:fillRef idx="0">
+            <a:schemeClr val="accent1"/>
+          </a:fillRef>
+          <a:effectRef idx="0">
+            <a:schemeClr val="accent1"/>
+          </a:effectRef>
+          <a:fontRef idx="minor">
+            <a:schemeClr val="tx1"/>
+          </a:fontRef>
+        </p:style>
+      </p:cxnSp>
     </p:spTree>
     <p:extLst>
       <p:ext uri="{BB962C8B-B14F-4D97-AF65-F5344CB8AC3E}">

--- a/Chapter7/Figures/Fig8.pptx
+++ b/Chapter7/Figures/Fig8.pptx
@@ -7,7 +7,7 @@
   <p:sldIdLst>
     <p:sldId id="256" r:id="rId2"/>
   </p:sldIdLst>
-  <p:sldSz cx="10801350" cy="12961938"/>
+  <p:sldSz cx="10801350" cy="13141325"/>
   <p:notesSz cx="6858000" cy="9144000"/>
   <p:defaultTextStyle>
     <a:defPPr>
@@ -136,8 +136,8 @@
         </p:nvSpPr>
         <p:spPr>
           <a:xfrm>
-            <a:off x="810112" y="4026608"/>
-            <a:ext cx="9181149" cy="2778416"/>
+            <a:off x="810112" y="4082334"/>
+            <a:ext cx="9181149" cy="2816868"/>
           </a:xfrm>
         </p:spPr>
         <p:txBody>
@@ -164,8 +164,8 @@
         </p:nvSpPr>
         <p:spPr>
           <a:xfrm>
-            <a:off x="1620214" y="7345102"/>
-            <a:ext cx="7560945" cy="3312495"/>
+            <a:off x="1620214" y="7446757"/>
+            <a:ext cx="7560945" cy="3358338"/>
           </a:xfrm>
         </p:spPr>
         <p:txBody>
@@ -288,7 +288,7 @@
           <a:p>
             <a:fld id="{4D792E19-0BEC-4B8D-B7D3-C8ECEB03A1A5}" type="datetimeFigureOut">
               <a:rPr lang="en-GB" smtClean="0"/>
-              <a:t>27/09/2014</a:t>
+              <a:t>19/10/2014</a:t>
             </a:fld>
             <a:endParaRPr lang="en-GB"/>
           </a:p>
@@ -458,7 +458,7 @@
           <a:p>
             <a:fld id="{4D792E19-0BEC-4B8D-B7D3-C8ECEB03A1A5}" type="datetimeFigureOut">
               <a:rPr lang="en-GB" smtClean="0"/>
-              <a:t>27/09/2014</a:t>
+              <a:t>19/10/2014</a:t>
             </a:fld>
             <a:endParaRPr lang="en-GB"/>
           </a:p>
@@ -548,8 +548,8 @@
         </p:nvSpPr>
         <p:spPr>
           <a:xfrm>
-            <a:off x="7830988" y="519083"/>
-            <a:ext cx="2430303" cy="11059654"/>
+            <a:off x="7830993" y="526267"/>
+            <a:ext cx="2430303" cy="11212715"/>
           </a:xfrm>
         </p:spPr>
         <p:txBody>
@@ -576,8 +576,8 @@
         </p:nvSpPr>
         <p:spPr>
           <a:xfrm>
-            <a:off x="540069" y="519083"/>
-            <a:ext cx="7110888" cy="11059654"/>
+            <a:off x="540069" y="526267"/>
+            <a:ext cx="7110888" cy="11212715"/>
           </a:xfrm>
         </p:spPr>
         <p:txBody>
@@ -638,7 +638,7 @@
           <a:p>
             <a:fld id="{4D792E19-0BEC-4B8D-B7D3-C8ECEB03A1A5}" type="datetimeFigureOut">
               <a:rPr lang="en-GB" smtClean="0"/>
-              <a:t>27/09/2014</a:t>
+              <a:t>19/10/2014</a:t>
             </a:fld>
             <a:endParaRPr lang="en-GB"/>
           </a:p>
@@ -808,7 +808,7 @@
           <a:p>
             <a:fld id="{4D792E19-0BEC-4B8D-B7D3-C8ECEB03A1A5}" type="datetimeFigureOut">
               <a:rPr lang="en-GB" smtClean="0"/>
-              <a:t>27/09/2014</a:t>
+              <a:t>19/10/2014</a:t>
             </a:fld>
             <a:endParaRPr lang="en-GB"/>
           </a:p>
@@ -898,8 +898,8 @@
         </p:nvSpPr>
         <p:spPr>
           <a:xfrm>
-            <a:off x="853240" y="8329250"/>
-            <a:ext cx="9181149" cy="2574384"/>
+            <a:off x="853245" y="8444523"/>
+            <a:ext cx="9181149" cy="2610012"/>
           </a:xfrm>
         </p:spPr>
         <p:txBody>
@@ -930,8 +930,8 @@
         </p:nvSpPr>
         <p:spPr>
           <a:xfrm>
-            <a:off x="853240" y="5493828"/>
-            <a:ext cx="9181149" cy="2835425"/>
+            <a:off x="853245" y="5569862"/>
+            <a:ext cx="9181149" cy="2874666"/>
           </a:xfrm>
         </p:spPr>
         <p:txBody>
@@ -1054,7 +1054,7 @@
           <a:p>
             <a:fld id="{4D792E19-0BEC-4B8D-B7D3-C8ECEB03A1A5}" type="datetimeFigureOut">
               <a:rPr lang="en-GB" smtClean="0"/>
-              <a:t>27/09/2014</a:t>
+              <a:t>19/10/2014</a:t>
             </a:fld>
             <a:endParaRPr lang="en-GB"/>
           </a:p>
@@ -1167,8 +1167,8 @@
         </p:nvSpPr>
         <p:spPr>
           <a:xfrm>
-            <a:off x="540076" y="3024455"/>
-            <a:ext cx="4770597" cy="8554282"/>
+            <a:off x="540076" y="3066313"/>
+            <a:ext cx="4770597" cy="8672669"/>
           </a:xfrm>
         </p:spPr>
         <p:txBody>
@@ -1252,8 +1252,8 @@
         </p:nvSpPr>
         <p:spPr>
           <a:xfrm>
-            <a:off x="5490695" y="3024455"/>
-            <a:ext cx="4770597" cy="8554282"/>
+            <a:off x="5490695" y="3066313"/>
+            <a:ext cx="4770597" cy="8672669"/>
           </a:xfrm>
         </p:spPr>
         <p:txBody>
@@ -1342,7 +1342,7 @@
           <a:p>
             <a:fld id="{4D792E19-0BEC-4B8D-B7D3-C8ECEB03A1A5}" type="datetimeFigureOut">
               <a:rPr lang="en-GB" smtClean="0"/>
-              <a:t>27/09/2014</a:t>
+              <a:t>19/10/2014</a:t>
             </a:fld>
             <a:endParaRPr lang="en-GB"/>
           </a:p>
@@ -1459,8 +1459,8 @@
         </p:nvSpPr>
         <p:spPr>
           <a:xfrm>
-            <a:off x="540072" y="2901440"/>
-            <a:ext cx="4772472" cy="1209180"/>
+            <a:off x="540072" y="2941596"/>
+            <a:ext cx="4772472" cy="1225914"/>
           </a:xfrm>
         </p:spPr>
         <p:txBody>
@@ -1524,8 +1524,8 @@
         </p:nvSpPr>
         <p:spPr>
           <a:xfrm>
-            <a:off x="540072" y="4110616"/>
-            <a:ext cx="4772472" cy="7468119"/>
+            <a:off x="540072" y="4167506"/>
+            <a:ext cx="4772472" cy="7571474"/>
           </a:xfrm>
         </p:spPr>
         <p:txBody>
@@ -1609,8 +1609,8 @@
         </p:nvSpPr>
         <p:spPr>
           <a:xfrm>
-            <a:off x="5486947" y="2901440"/>
-            <a:ext cx="4774347" cy="1209180"/>
+            <a:off x="5486952" y="2941596"/>
+            <a:ext cx="4774347" cy="1225914"/>
           </a:xfrm>
         </p:spPr>
         <p:txBody>
@@ -1674,8 +1674,8 @@
         </p:nvSpPr>
         <p:spPr>
           <a:xfrm>
-            <a:off x="5486947" y="4110616"/>
-            <a:ext cx="4774347" cy="7468119"/>
+            <a:off x="5486952" y="4167506"/>
+            <a:ext cx="4774347" cy="7571474"/>
           </a:xfrm>
         </p:spPr>
         <p:txBody>
@@ -1764,7 +1764,7 @@
           <a:p>
             <a:fld id="{4D792E19-0BEC-4B8D-B7D3-C8ECEB03A1A5}" type="datetimeFigureOut">
               <a:rPr lang="en-GB" smtClean="0"/>
-              <a:t>27/09/2014</a:t>
+              <a:t>19/10/2014</a:t>
             </a:fld>
             <a:endParaRPr lang="en-GB"/>
           </a:p>
@@ -1882,7 +1882,7 @@
           <a:p>
             <a:fld id="{4D792E19-0BEC-4B8D-B7D3-C8ECEB03A1A5}" type="datetimeFigureOut">
               <a:rPr lang="en-GB" smtClean="0"/>
-              <a:t>27/09/2014</a:t>
+              <a:t>19/10/2014</a:t>
             </a:fld>
             <a:endParaRPr lang="en-GB"/>
           </a:p>
@@ -1977,7 +1977,7 @@
           <a:p>
             <a:fld id="{4D792E19-0BEC-4B8D-B7D3-C8ECEB03A1A5}" type="datetimeFigureOut">
               <a:rPr lang="en-GB" smtClean="0"/>
-              <a:t>27/09/2014</a:t>
+              <a:t>19/10/2014</a:t>
             </a:fld>
             <a:endParaRPr lang="en-GB"/>
           </a:p>
@@ -2067,8 +2067,8 @@
         </p:nvSpPr>
         <p:spPr>
           <a:xfrm>
-            <a:off x="540082" y="516083"/>
-            <a:ext cx="3553569" cy="2196330"/>
+            <a:off x="540087" y="523225"/>
+            <a:ext cx="3553569" cy="2226727"/>
           </a:xfrm>
         </p:spPr>
         <p:txBody>
@@ -2099,8 +2099,8 @@
         </p:nvSpPr>
         <p:spPr>
           <a:xfrm>
-            <a:off x="4223031" y="516085"/>
-            <a:ext cx="6038256" cy="11062656"/>
+            <a:off x="4223031" y="523228"/>
+            <a:ext cx="6038256" cy="11215758"/>
           </a:xfrm>
         </p:spPr>
         <p:txBody>
@@ -2184,8 +2184,8 @@
         </p:nvSpPr>
         <p:spPr>
           <a:xfrm>
-            <a:off x="540082" y="2712405"/>
-            <a:ext cx="3553569" cy="8866326"/>
+            <a:off x="540087" y="2749943"/>
+            <a:ext cx="3553569" cy="8989032"/>
           </a:xfrm>
         </p:spPr>
         <p:txBody>
@@ -2254,7 +2254,7 @@
           <a:p>
             <a:fld id="{4D792E19-0BEC-4B8D-B7D3-C8ECEB03A1A5}" type="datetimeFigureOut">
               <a:rPr lang="en-GB" smtClean="0"/>
-              <a:t>27/09/2014</a:t>
+              <a:t>19/10/2014</a:t>
             </a:fld>
             <a:endParaRPr lang="en-GB"/>
           </a:p>
@@ -2344,8 +2344,8 @@
         </p:nvSpPr>
         <p:spPr>
           <a:xfrm>
-            <a:off x="2117142" y="9073361"/>
-            <a:ext cx="6480810" cy="1071160"/>
+            <a:off x="2117142" y="9198933"/>
+            <a:ext cx="6480810" cy="1085984"/>
           </a:xfrm>
         </p:spPr>
         <p:txBody>
@@ -2376,8 +2376,8 @@
         </p:nvSpPr>
         <p:spPr>
           <a:xfrm>
-            <a:off x="2117142" y="1158178"/>
-            <a:ext cx="6480810" cy="7777163"/>
+            <a:off x="2117142" y="1174208"/>
+            <a:ext cx="6480810" cy="7884795"/>
           </a:xfrm>
         </p:spPr>
         <p:txBody>
@@ -2437,8 +2437,8 @@
         </p:nvSpPr>
         <p:spPr>
           <a:xfrm>
-            <a:off x="2117142" y="10144519"/>
-            <a:ext cx="6480810" cy="1521228"/>
+            <a:off x="2117142" y="10284916"/>
+            <a:ext cx="6480810" cy="1542282"/>
           </a:xfrm>
         </p:spPr>
         <p:txBody>
@@ -2507,7 +2507,7 @@
           <a:p>
             <a:fld id="{4D792E19-0BEC-4B8D-B7D3-C8ECEB03A1A5}" type="datetimeFigureOut">
               <a:rPr lang="en-GB" smtClean="0"/>
-              <a:t>27/09/2014</a:t>
+              <a:t>19/10/2014</a:t>
             </a:fld>
             <a:endParaRPr lang="en-GB"/>
           </a:p>
@@ -2602,8 +2602,8 @@
         </p:nvSpPr>
         <p:spPr>
           <a:xfrm>
-            <a:off x="540079" y="519083"/>
-            <a:ext cx="9721215" cy="2160324"/>
+            <a:off x="540079" y="526267"/>
+            <a:ext cx="9721215" cy="2190221"/>
           </a:xfrm>
           <a:prstGeom prst="rect">
             <a:avLst/>
@@ -2635,8 +2635,8 @@
         </p:nvSpPr>
         <p:spPr>
           <a:xfrm>
-            <a:off x="540079" y="3024455"/>
-            <a:ext cx="9721215" cy="8554282"/>
+            <a:off x="540079" y="3066313"/>
+            <a:ext cx="9721215" cy="8672669"/>
           </a:xfrm>
           <a:prstGeom prst="rect">
             <a:avLst/>
@@ -2697,8 +2697,8 @@
         </p:nvSpPr>
         <p:spPr>
           <a:xfrm>
-            <a:off x="540079" y="12013801"/>
-            <a:ext cx="2520315" cy="690104"/>
+            <a:off x="540083" y="12180068"/>
+            <a:ext cx="2520315" cy="699655"/>
           </a:xfrm>
           <a:prstGeom prst="rect">
             <a:avLst/>
@@ -2720,7 +2720,7 @@
           <a:p>
             <a:fld id="{4D792E19-0BEC-4B8D-B7D3-C8ECEB03A1A5}" type="datetimeFigureOut">
               <a:rPr lang="en-GB" smtClean="0"/>
-              <a:t>27/09/2014</a:t>
+              <a:t>19/10/2014</a:t>
             </a:fld>
             <a:endParaRPr lang="en-GB"/>
           </a:p>
@@ -2738,8 +2738,8 @@
         </p:nvSpPr>
         <p:spPr>
           <a:xfrm>
-            <a:off x="3690472" y="12013801"/>
-            <a:ext cx="3420429" cy="690104"/>
+            <a:off x="3690472" y="12180068"/>
+            <a:ext cx="3420429" cy="699655"/>
           </a:xfrm>
           <a:prstGeom prst="rect">
             <a:avLst/>
@@ -2775,8 +2775,8 @@
         </p:nvSpPr>
         <p:spPr>
           <a:xfrm>
-            <a:off x="7740979" y="12013801"/>
-            <a:ext cx="2520315" cy="690104"/>
+            <a:off x="7740984" y="12180068"/>
+            <a:ext cx="2520315" cy="699655"/>
           </a:xfrm>
           <a:prstGeom prst="rect">
             <a:avLst/>
@@ -3097,7 +3097,7 @@
       </p:grpSpPr>
       <p:pic>
         <p:nvPicPr>
-          <p:cNvPr id="214" name="Picture 45" descr="C:\Users\Wendy\Documents\wwn20\Thesis\Chapter7\Figures\Fig8\Scale.png"/>
+          <p:cNvPr id="391" name="Picture 45" descr="C:\Users\Wendy\Documents\wwn20\Thesis\Chapter7\Figures\Fig8\Scale.png"/>
           <p:cNvPicPr>
             <a:picLocks noChangeAspect="1" noChangeArrowheads="1"/>
           </p:cNvPicPr>
@@ -3116,7 +3116,7 @@
         </p:blipFill>
         <p:spPr bwMode="auto">
           <a:xfrm>
-            <a:off x="7927412" y="12056290"/>
+            <a:off x="7927412" y="12221057"/>
             <a:ext cx="2880000" cy="902333"/>
           </a:xfrm>
           <a:prstGeom prst="rect">
@@ -3136,13 +3136,13 @@
       </p:pic>
       <p:grpSp>
         <p:nvGrpSpPr>
-          <p:cNvPr id="215" name="Group 214"/>
+          <p:cNvPr id="392" name="Group 391"/>
           <p:cNvGrpSpPr/>
           <p:nvPr/>
         </p:nvGrpSpPr>
         <p:grpSpPr>
           <a:xfrm>
-            <a:off x="5846732" y="256258"/>
+            <a:off x="5846732" y="421025"/>
             <a:ext cx="3600000" cy="1004135"/>
             <a:chOff x="1360079" y="4626589"/>
             <a:chExt cx="5434320" cy="1004135"/>
@@ -3150,7 +3150,7 @@
         </p:grpSpPr>
         <p:sp>
           <p:nvSpPr>
-            <p:cNvPr id="216" name="Rectangle 215"/>
+            <p:cNvPr id="393" name="Rectangle 392"/>
             <p:cNvSpPr/>
             <p:nvPr/>
           </p:nvSpPr>
@@ -3302,7 +3302,7 @@
         </p:sp>
         <p:sp>
           <p:nvSpPr>
-            <p:cNvPr id="217" name="Rectangle 216"/>
+            <p:cNvPr id="394" name="Rectangle 393"/>
             <p:cNvSpPr/>
             <p:nvPr/>
           </p:nvSpPr>
@@ -3454,7 +3454,7 @@
         </p:sp>
         <p:sp>
           <p:nvSpPr>
-            <p:cNvPr id="218" name="Rectangle 217"/>
+            <p:cNvPr id="395" name="Rectangle 394"/>
             <p:cNvSpPr/>
             <p:nvPr/>
           </p:nvSpPr>
@@ -3606,7 +3606,7 @@
         </p:sp>
         <p:sp>
           <p:nvSpPr>
-            <p:cNvPr id="219" name="Rectangle 218"/>
+            <p:cNvPr id="396" name="Rectangle 395"/>
             <p:cNvSpPr/>
             <p:nvPr/>
           </p:nvSpPr>
@@ -3758,7 +3758,7 @@
         </p:sp>
         <p:sp>
           <p:nvSpPr>
-            <p:cNvPr id="220" name="Rectangle 219"/>
+            <p:cNvPr id="397" name="Rectangle 396"/>
             <p:cNvSpPr/>
             <p:nvPr/>
           </p:nvSpPr>
@@ -3910,7 +3910,7 @@
         </p:sp>
         <p:sp>
           <p:nvSpPr>
-            <p:cNvPr id="221" name="Rectangle 220"/>
+            <p:cNvPr id="398" name="Rectangle 397"/>
             <p:cNvSpPr/>
             <p:nvPr/>
           </p:nvSpPr>
@@ -4063,7 +4063,7 @@
       </p:grpSp>
       <p:pic>
         <p:nvPicPr>
-          <p:cNvPr id="222" name="Picture 44" descr="C:\Users\Wendy\Documents\wwn20\Data\PbI4_grating\SEM\2012\11 - November\121112-Ag_Gratings\5_00.tif"/>
+          <p:cNvPr id="399" name="Picture 44" descr="C:\Users\Wendy\Documents\wwn20\Data\PbI4_grating\SEM\2012\11 - November\121112-Ag_Gratings\5_00.tif"/>
           <p:cNvPicPr>
             <a:picLocks noChangeAspect="1" noChangeArrowheads="1"/>
           </p:cNvPicPr>
@@ -4082,7 +4082,7 @@
         </p:blipFill>
         <p:spPr bwMode="auto">
           <a:xfrm>
-            <a:off x="1324121" y="36414"/>
+            <a:off x="1324121" y="201181"/>
             <a:ext cx="3302798" cy="1381061"/>
           </a:xfrm>
           <a:prstGeom prst="rect">
@@ -4102,7 +4102,7 @@
       </p:pic>
       <p:pic>
         <p:nvPicPr>
-          <p:cNvPr id="223" name="Picture 43" descr="C:\Users\Wendy\Documents\wwn20\Thesis\Chapter7\Figures\Fig8\Spec_TE.png"/>
+          <p:cNvPr id="400" name="Picture 43" descr="C:\Users\Wendy\Documents\wwn20\Thesis\Chapter7\Figures\Fig8\Spec_TE.png"/>
           <p:cNvPicPr>
             <a:picLocks noChangeAspect="1" noChangeArrowheads="1"/>
           </p:cNvPicPr>
@@ -4123,7 +4123,7 @@
         </p:blipFill>
         <p:spPr bwMode="auto">
           <a:xfrm>
-            <a:off x="1363298" y="9764659"/>
+            <a:off x="1363298" y="9929426"/>
             <a:ext cx="4680000" cy="3177528"/>
           </a:xfrm>
           <a:prstGeom prst="rect">
@@ -4143,7 +4143,7 @@
       </p:pic>
       <p:pic>
         <p:nvPicPr>
-          <p:cNvPr id="224" name="Picture 42" descr="C:\Users\Wendy\Documents\wwn20\Thesis\Chapter7\Figures\Fig8\Spec_TM.png"/>
+          <p:cNvPr id="401" name="Picture 42" descr="C:\Users\Wendy\Documents\wwn20\Thesis\Chapter7\Figures\Fig8\Spec_TM.png"/>
           <p:cNvPicPr>
             <a:picLocks noChangeAspect="1" noChangeArrowheads="1"/>
           </p:cNvPicPr>
@@ -4164,7 +4164,7 @@
         </p:blipFill>
         <p:spPr bwMode="auto">
           <a:xfrm>
-            <a:off x="1435522" y="4112719"/>
+            <a:off x="1435522" y="4277486"/>
             <a:ext cx="4680000" cy="3177528"/>
           </a:xfrm>
           <a:prstGeom prst="rect">
@@ -4184,7 +4184,7 @@
       </p:pic>
       <p:pic>
         <p:nvPicPr>
-          <p:cNvPr id="225" name="Picture 41" descr="C:\Users\Wendy\Documents\wwn20\Thesis\Chapter7\Figures\Fig8\Ag_90_TE.png"/>
+          <p:cNvPr id="402" name="Picture 41" descr="C:\Users\Wendy\Documents\wwn20\Thesis\Chapter7\Figures\Fig8\Ag_90_TE.png"/>
           <p:cNvPicPr>
             <a:picLocks noChangeAspect="1" noChangeArrowheads="1"/>
           </p:cNvPicPr>
@@ -4203,7 +4203,7 @@
         </p:blipFill>
         <p:spPr bwMode="auto">
           <a:xfrm>
-            <a:off x="8416909" y="7491064"/>
+            <a:off x="8416909" y="7655831"/>
             <a:ext cx="2254020" cy="2207711"/>
           </a:xfrm>
           <a:prstGeom prst="rect">
@@ -4223,7 +4223,7 @@
       </p:pic>
       <p:pic>
         <p:nvPicPr>
-          <p:cNvPr id="226" name="Picture 40" descr="C:\Users\Wendy\Documents\wwn20\Thesis\Chapter7\Figures\Fig8\Ag_60_TE.png"/>
+          <p:cNvPr id="403" name="Picture 40" descr="C:\Users\Wendy\Documents\wwn20\Thesis\Chapter7\Figures\Fig8\Ag_60_TE.png"/>
           <p:cNvPicPr>
             <a:picLocks noChangeAspect="1" noChangeArrowheads="1"/>
           </p:cNvPicPr>
@@ -4242,7 +4242,7 @@
         </p:blipFill>
         <p:spPr bwMode="auto">
           <a:xfrm>
-            <a:off x="6464553" y="7491064"/>
+            <a:off x="6464553" y="7655831"/>
             <a:ext cx="2216687" cy="2207711"/>
           </a:xfrm>
           <a:prstGeom prst="rect">
@@ -4262,7 +4262,7 @@
       </p:pic>
       <p:pic>
         <p:nvPicPr>
-          <p:cNvPr id="227" name="Picture 39" descr="C:\Users\Wendy\Documents\wwn20\Thesis\Chapter7\Figures\Fig8\Ag_40_TE.png"/>
+          <p:cNvPr id="404" name="Picture 39" descr="C:\Users\Wendy\Documents\wwn20\Thesis\Chapter7\Figures\Fig8\Ag_40_TE.png"/>
           <p:cNvPicPr>
             <a:picLocks noChangeAspect="1" noChangeArrowheads="1"/>
           </p:cNvPicPr>
@@ -4281,7 +4281,7 @@
         </p:blipFill>
         <p:spPr bwMode="auto">
           <a:xfrm>
-            <a:off x="4428788" y="7491064"/>
+            <a:off x="4428788" y="7655831"/>
             <a:ext cx="2259170" cy="2207711"/>
           </a:xfrm>
           <a:prstGeom prst="rect">
@@ -4301,7 +4301,7 @@
       </p:pic>
       <p:pic>
         <p:nvPicPr>
-          <p:cNvPr id="228" name="Picture 38" descr="C:\Users\Wendy\Documents\wwn20\Thesis\Chapter7\Figures\Fig8\Ag_20_TE.png"/>
+          <p:cNvPr id="405" name="Picture 38" descr="C:\Users\Wendy\Documents\wwn20\Thesis\Chapter7\Figures\Fig8\Ag_20_TE.png"/>
           <p:cNvPicPr>
             <a:picLocks noChangeAspect="1" noChangeArrowheads="1"/>
           </p:cNvPicPr>
@@ -4320,7 +4320,7 @@
         </p:blipFill>
         <p:spPr bwMode="auto">
           <a:xfrm>
-            <a:off x="2437498" y="7506966"/>
+            <a:off x="2437498" y="7671733"/>
             <a:ext cx="2246752" cy="2191809"/>
           </a:xfrm>
           <a:prstGeom prst="rect">
@@ -4340,7 +4340,7 @@
       </p:pic>
       <p:pic>
         <p:nvPicPr>
-          <p:cNvPr id="229" name="Picture 36" descr="C:\Users\Wendy\Documents\wwn20\Thesis\Chapter7\Figures\Fig8\Ag_90_TM.png"/>
+          <p:cNvPr id="406" name="Picture 36" descr="C:\Users\Wendy\Documents\wwn20\Thesis\Chapter7\Figures\Fig8\Ag_90_TM.png"/>
           <p:cNvPicPr>
             <a:picLocks noChangeAspect="1" noChangeArrowheads="1"/>
           </p:cNvPicPr>
@@ -4359,7 +4359,7 @@
         </p:blipFill>
         <p:spPr bwMode="auto">
           <a:xfrm>
-            <a:off x="8432811" y="1798822"/>
+            <a:off x="8432811" y="1963589"/>
             <a:ext cx="2233547" cy="2200372"/>
           </a:xfrm>
           <a:prstGeom prst="rect">
@@ -4379,7 +4379,7 @@
       </p:pic>
       <p:pic>
         <p:nvPicPr>
-          <p:cNvPr id="230" name="Picture 35" descr="C:\Users\Wendy\Documents\wwn20\Thesis\Chapter7\Figures\Fig8\Ag_60_TM.png"/>
+          <p:cNvPr id="407" name="Picture 35" descr="C:\Users\Wendy\Documents\wwn20\Thesis\Chapter7\Figures\Fig8\Ag_60_TM.png"/>
           <p:cNvPicPr>
             <a:picLocks noChangeAspect="1" noChangeArrowheads="1"/>
           </p:cNvPicPr>
@@ -4398,7 +4398,7 @@
         </p:blipFill>
         <p:spPr bwMode="auto">
           <a:xfrm>
-            <a:off x="6414060" y="1819294"/>
+            <a:off x="6414060" y="1984061"/>
             <a:ext cx="2245581" cy="2184470"/>
           </a:xfrm>
           <a:prstGeom prst="rect">
@@ -4418,7 +4418,7 @@
       </p:pic>
       <p:pic>
         <p:nvPicPr>
-          <p:cNvPr id="231" name="Picture 34" descr="C:\Users\Wendy\Documents\wwn20\Thesis\Chapter7\Figures\Fig8\Ag_40_TM.png"/>
+          <p:cNvPr id="408" name="Picture 34" descr="C:\Users\Wendy\Documents\wwn20\Thesis\Chapter7\Figures\Fig8\Ag_40_TM.png"/>
           <p:cNvPicPr>
             <a:picLocks noChangeAspect="1" noChangeArrowheads="1"/>
           </p:cNvPicPr>
@@ -4437,7 +4437,7 @@
         </p:blipFill>
         <p:spPr bwMode="auto">
           <a:xfrm>
-            <a:off x="4399238" y="1836324"/>
+            <a:off x="4399238" y="2001091"/>
             <a:ext cx="2267120" cy="2176518"/>
           </a:xfrm>
           <a:prstGeom prst="rect">
@@ -4457,7 +4457,7 @@
       </p:pic>
       <p:pic>
         <p:nvPicPr>
-          <p:cNvPr id="232" name="Picture 33" descr="C:\Users\Wendy\Documents\wwn20\Thesis\Chapter7\Figures\Fig8\Ag_20_TM.png"/>
+          <p:cNvPr id="409" name="Picture 33" descr="C:\Users\Wendy\Documents\wwn20\Thesis\Chapter7\Figures\Fig8\Ag_20_TM.png"/>
           <p:cNvPicPr>
             <a:picLocks noChangeAspect="1" noChangeArrowheads="1"/>
           </p:cNvPicPr>
@@ -4476,7 +4476,7 @@
         </p:blipFill>
         <p:spPr bwMode="auto">
           <a:xfrm>
-            <a:off x="2445449" y="1835196"/>
+            <a:off x="2445449" y="1999963"/>
             <a:ext cx="2238800" cy="2176519"/>
           </a:xfrm>
           <a:prstGeom prst="rect">
@@ -4496,7 +4496,7 @@
       </p:pic>
       <p:pic>
         <p:nvPicPr>
-          <p:cNvPr id="233" name="Picture 32" descr="C:\Users\Wendy\Documents\wwn20\Thesis\Chapter7\Figures\Fig8\Ag_0_TM.png"/>
+          <p:cNvPr id="410" name="Picture 32" descr="C:\Users\Wendy\Documents\wwn20\Thesis\Chapter7\Figures\Fig8\Ag_0_TM.png"/>
           <p:cNvPicPr>
             <a:picLocks noChangeAspect="1" noChangeArrowheads="1"/>
           </p:cNvPicPr>
@@ -4515,7 +4515,7 @@
         </p:blipFill>
         <p:spPr bwMode="auto">
           <a:xfrm>
-            <a:off x="432061" y="1851097"/>
+            <a:off x="432061" y="2015864"/>
             <a:ext cx="2248291" cy="2168569"/>
           </a:xfrm>
           <a:prstGeom prst="rect">
@@ -4535,7 +4535,7 @@
       </p:pic>
       <p:pic>
         <p:nvPicPr>
-          <p:cNvPr id="234" name="Picture 21" descr="C:\Users\Wendy\Documents\wwn20\Thesis\Chapter7\Figures\Fig6\CHPI_ETFE_0_TE.png"/>
+          <p:cNvPr id="411" name="Picture 21" descr="C:\Users\Wendy\Documents\wwn20\Thesis\Chapter7\Figures\Fig6\CHPI_ETFE_0_TE.png"/>
           <p:cNvPicPr>
             <a:picLocks noChangeAspect="1" noChangeArrowheads="1"/>
           </p:cNvPicPr>
@@ -4554,7 +4554,7 @@
         </p:blipFill>
         <p:spPr bwMode="auto">
           <a:xfrm>
-            <a:off x="458209" y="7506967"/>
+            <a:off x="458209" y="7671734"/>
             <a:ext cx="2230094" cy="2175905"/>
           </a:xfrm>
           <a:prstGeom prst="rect">
@@ -4574,13 +4574,13 @@
       </p:pic>
       <p:sp>
         <p:nvSpPr>
-          <p:cNvPr id="235" name="TextBox 234"/>
+          <p:cNvPr id="412" name="TextBox 411"/>
           <p:cNvSpPr txBox="1"/>
           <p:nvPr/>
         </p:nvSpPr>
         <p:spPr>
           <a:xfrm rot="16200000">
-            <a:off x="-853531" y="2480976"/>
+            <a:off x="-853531" y="2645743"/>
             <a:ext cx="2217242" cy="353943"/>
           </a:xfrm>
           <a:prstGeom prst="rect">
@@ -4610,13 +4610,13 @@
       </p:sp>
       <p:sp>
         <p:nvSpPr>
-          <p:cNvPr id="236" name="TextBox 235"/>
+          <p:cNvPr id="413" name="TextBox 412"/>
           <p:cNvSpPr txBox="1"/>
           <p:nvPr/>
         </p:nvSpPr>
         <p:spPr>
           <a:xfrm>
-            <a:off x="5278784" y="3900123"/>
+            <a:off x="5278784" y="4064890"/>
             <a:ext cx="972108" cy="353943"/>
           </a:xfrm>
           <a:prstGeom prst="rect">
@@ -4667,13 +4667,13 @@
       </p:sp>
       <p:sp>
         <p:nvSpPr>
-          <p:cNvPr id="237" name="TextBox 236"/>
+          <p:cNvPr id="414" name="TextBox 413"/>
           <p:cNvSpPr txBox="1"/>
           <p:nvPr/>
         </p:nvSpPr>
         <p:spPr>
           <a:xfrm>
-            <a:off x="718660" y="1443038"/>
+            <a:off x="718660" y="1607805"/>
             <a:ext cx="3071614" cy="477054"/>
           </a:xfrm>
           <a:prstGeom prst="rect">
@@ -4697,13 +4697,13 @@
       </p:sp>
       <p:sp>
         <p:nvSpPr>
-          <p:cNvPr id="238" name="TextBox 237"/>
+          <p:cNvPr id="415" name="TextBox 414"/>
           <p:cNvSpPr txBox="1"/>
           <p:nvPr/>
         </p:nvSpPr>
         <p:spPr>
           <a:xfrm>
-            <a:off x="718660" y="7131670"/>
+            <a:off x="718660" y="7296437"/>
             <a:ext cx="3071614" cy="477054"/>
           </a:xfrm>
           <a:prstGeom prst="rect">
@@ -4727,13 +4727,13 @@
       </p:sp>
       <p:sp>
         <p:nvSpPr>
-          <p:cNvPr id="239" name="TextBox 238"/>
+          <p:cNvPr id="416" name="TextBox 415"/>
           <p:cNvSpPr txBox="1"/>
           <p:nvPr/>
         </p:nvSpPr>
         <p:spPr>
           <a:xfrm rot="16200000">
-            <a:off x="-859566" y="8180281"/>
+            <a:off x="-859566" y="8345048"/>
             <a:ext cx="2217242" cy="353943"/>
           </a:xfrm>
           <a:prstGeom prst="rect">
@@ -4763,13 +4763,13 @@
       </p:sp>
       <p:sp>
         <p:nvSpPr>
-          <p:cNvPr id="240" name="TextBox 239"/>
+          <p:cNvPr id="417" name="TextBox 416"/>
           <p:cNvSpPr txBox="1"/>
           <p:nvPr/>
         </p:nvSpPr>
         <p:spPr>
           <a:xfrm>
-            <a:off x="5177749" y="9635053"/>
+            <a:off x="5177749" y="9799820"/>
             <a:ext cx="972108" cy="353943"/>
           </a:xfrm>
           <a:prstGeom prst="rect">
@@ -4820,13 +4820,13 @@
       </p:sp>
       <p:sp>
         <p:nvSpPr>
-          <p:cNvPr id="241" name="TextBox 240"/>
+          <p:cNvPr id="418" name="TextBox 417"/>
           <p:cNvSpPr txBox="1"/>
           <p:nvPr/>
         </p:nvSpPr>
         <p:spPr>
           <a:xfrm>
-            <a:off x="4737686" y="3444744"/>
+            <a:off x="4737686" y="3609511"/>
             <a:ext cx="1022598" cy="369332"/>
           </a:xfrm>
           <a:prstGeom prst="rect">
@@ -4858,13 +4858,13 @@
       </p:sp>
       <p:sp>
         <p:nvSpPr>
-          <p:cNvPr id="242" name="TextBox 241"/>
+          <p:cNvPr id="419" name="TextBox 418"/>
           <p:cNvSpPr txBox="1"/>
           <p:nvPr/>
         </p:nvSpPr>
         <p:spPr>
           <a:xfrm>
-            <a:off x="6724308" y="3444744"/>
+            <a:off x="6724308" y="3609511"/>
             <a:ext cx="1022598" cy="369332"/>
           </a:xfrm>
           <a:prstGeom prst="rect">
@@ -4896,13 +4896,13 @@
       </p:sp>
       <p:sp>
         <p:nvSpPr>
-          <p:cNvPr id="243" name="TextBox 242"/>
+          <p:cNvPr id="420" name="TextBox 419"/>
           <p:cNvSpPr txBox="1"/>
           <p:nvPr/>
         </p:nvSpPr>
         <p:spPr>
           <a:xfrm>
-            <a:off x="8716452" y="3444744"/>
+            <a:off x="8716452" y="3609511"/>
             <a:ext cx="1022598" cy="369332"/>
           </a:xfrm>
           <a:prstGeom prst="rect">
@@ -4934,13 +4934,13 @@
       </p:sp>
       <p:sp>
         <p:nvSpPr>
-          <p:cNvPr id="244" name="TextBox 243"/>
+          <p:cNvPr id="421" name="TextBox 420"/>
           <p:cNvSpPr txBox="1"/>
           <p:nvPr/>
         </p:nvSpPr>
         <p:spPr>
           <a:xfrm>
-            <a:off x="2767676" y="9095573"/>
+            <a:off x="2767676" y="9260340"/>
             <a:ext cx="1022598" cy="369332"/>
           </a:xfrm>
           <a:prstGeom prst="rect">
@@ -4972,13 +4972,13 @@
       </p:sp>
       <p:sp>
         <p:nvSpPr>
-          <p:cNvPr id="245" name="TextBox 244"/>
+          <p:cNvPr id="422" name="TextBox 421"/>
           <p:cNvSpPr txBox="1"/>
           <p:nvPr/>
         </p:nvSpPr>
         <p:spPr>
           <a:xfrm>
-            <a:off x="4763622" y="9095573"/>
+            <a:off x="4763622" y="9260340"/>
             <a:ext cx="1022598" cy="369332"/>
           </a:xfrm>
           <a:prstGeom prst="rect">
@@ -5010,13 +5010,13 @@
       </p:sp>
       <p:sp>
         <p:nvSpPr>
-          <p:cNvPr id="246" name="TextBox 245"/>
+          <p:cNvPr id="423" name="TextBox 422"/>
           <p:cNvSpPr txBox="1"/>
           <p:nvPr/>
         </p:nvSpPr>
         <p:spPr>
           <a:xfrm>
-            <a:off x="6763832" y="9095573"/>
+            <a:off x="6763832" y="9260340"/>
             <a:ext cx="1022598" cy="369332"/>
           </a:xfrm>
           <a:prstGeom prst="rect">
@@ -5048,13 +5048,13 @@
       </p:sp>
       <p:sp>
         <p:nvSpPr>
-          <p:cNvPr id="247" name="TextBox 246"/>
+          <p:cNvPr id="424" name="TextBox 423"/>
           <p:cNvSpPr txBox="1"/>
           <p:nvPr/>
         </p:nvSpPr>
         <p:spPr>
           <a:xfrm>
-            <a:off x="8760543" y="9095573"/>
+            <a:off x="8760543" y="9260340"/>
             <a:ext cx="1022598" cy="369332"/>
           </a:xfrm>
           <a:prstGeom prst="rect">
@@ -5086,13 +5086,13 @@
       </p:sp>
       <p:sp>
         <p:nvSpPr>
-          <p:cNvPr id="248" name="Freeform 247"/>
+          <p:cNvPr id="425" name="Freeform 424"/>
           <p:cNvSpPr/>
           <p:nvPr/>
         </p:nvSpPr>
         <p:spPr>
           <a:xfrm>
-            <a:off x="834327" y="3988784"/>
+            <a:off x="834327" y="4153551"/>
             <a:ext cx="446970" cy="1109679"/>
           </a:xfrm>
           <a:custGeom>
@@ -5175,13 +5175,13 @@
       </p:sp>
       <p:sp>
         <p:nvSpPr>
-          <p:cNvPr id="249" name="Freeform 248"/>
+          <p:cNvPr id="426" name="Freeform 425"/>
           <p:cNvSpPr/>
           <p:nvPr/>
         </p:nvSpPr>
         <p:spPr>
           <a:xfrm>
-            <a:off x="834327" y="9682870"/>
+            <a:off x="834327" y="9847637"/>
             <a:ext cx="446970" cy="1109679"/>
           </a:xfrm>
           <a:custGeom>
@@ -5264,13 +5264,13 @@
       </p:sp>
       <p:cxnSp>
         <p:nvCxnSpPr>
-          <p:cNvPr id="250" name="Straight Connector 249"/>
+          <p:cNvPr id="427" name="Straight Connector 426"/>
           <p:cNvCxnSpPr/>
           <p:nvPr/>
         </p:nvCxnSpPr>
         <p:spPr>
           <a:xfrm>
-            <a:off x="1059159" y="1938509"/>
+            <a:off x="1059159" y="2103276"/>
             <a:ext cx="0" cy="1872000"/>
           </a:xfrm>
           <a:prstGeom prst="line">
@@ -5300,13 +5300,13 @@
       </p:cxnSp>
       <p:cxnSp>
         <p:nvCxnSpPr>
-          <p:cNvPr id="251" name="Straight Connector 250"/>
+          <p:cNvPr id="428" name="Straight Connector 427"/>
           <p:cNvCxnSpPr/>
           <p:nvPr/>
         </p:nvCxnSpPr>
         <p:spPr>
           <a:xfrm>
-            <a:off x="1060735" y="7603763"/>
+            <a:off x="1060735" y="7768530"/>
             <a:ext cx="0" cy="1872000"/>
           </a:xfrm>
           <a:prstGeom prst="line">
@@ -5336,13 +5336,13 @@
       </p:cxnSp>
       <p:cxnSp>
         <p:nvCxnSpPr>
-          <p:cNvPr id="252" name="Straight Connector 251"/>
+          <p:cNvPr id="429" name="Straight Connector 428"/>
           <p:cNvCxnSpPr/>
           <p:nvPr/>
         </p:nvCxnSpPr>
         <p:spPr>
           <a:xfrm>
-            <a:off x="1688512" y="7603763"/>
+            <a:off x="1688512" y="7768530"/>
             <a:ext cx="0" cy="1872000"/>
           </a:xfrm>
           <a:prstGeom prst="line">
@@ -5372,13 +5372,13 @@
       </p:cxnSp>
       <p:sp>
         <p:nvSpPr>
-          <p:cNvPr id="253" name="TextBox 252"/>
+          <p:cNvPr id="430" name="TextBox 429"/>
           <p:cNvSpPr txBox="1"/>
           <p:nvPr/>
         </p:nvSpPr>
         <p:spPr>
           <a:xfrm>
-            <a:off x="735921" y="9095573"/>
+            <a:off x="735921" y="9260340"/>
             <a:ext cx="843475" cy="369332"/>
           </a:xfrm>
           <a:prstGeom prst="rect">
@@ -5410,13 +5410,13 @@
       </p:sp>
       <p:cxnSp>
         <p:nvCxnSpPr>
-          <p:cNvPr id="254" name="Straight Connector 253"/>
+          <p:cNvPr id="431" name="Straight Connector 430"/>
           <p:cNvCxnSpPr/>
           <p:nvPr/>
         </p:nvCxnSpPr>
         <p:spPr>
           <a:xfrm>
-            <a:off x="2304570" y="7605605"/>
+            <a:off x="2304570" y="7770372"/>
             <a:ext cx="0" cy="1872000"/>
           </a:xfrm>
           <a:prstGeom prst="line">
@@ -5446,13 +5446,13 @@
       </p:cxnSp>
       <p:cxnSp>
         <p:nvCxnSpPr>
-          <p:cNvPr id="255" name="Straight Connector 254"/>
+          <p:cNvPr id="432" name="Straight Connector 431"/>
           <p:cNvCxnSpPr/>
           <p:nvPr/>
         </p:nvCxnSpPr>
         <p:spPr>
           <a:xfrm>
-            <a:off x="6231299" y="333016"/>
+            <a:off x="6231299" y="497783"/>
             <a:ext cx="396000" cy="0"/>
           </a:xfrm>
           <a:prstGeom prst="line">
@@ -5480,13 +5480,13 @@
       </p:cxnSp>
       <p:sp>
         <p:nvSpPr>
-          <p:cNvPr id="256" name="TextBox 255"/>
+          <p:cNvPr id="433" name="TextBox 432"/>
           <p:cNvSpPr txBox="1"/>
           <p:nvPr/>
         </p:nvSpPr>
         <p:spPr>
           <a:xfrm>
-            <a:off x="5995305" y="-71736"/>
+            <a:off x="5995305" y="93031"/>
             <a:ext cx="972405" cy="400110"/>
           </a:xfrm>
           <a:prstGeom prst="rect">
@@ -5510,13 +5510,13 @@
       </p:sp>
       <p:cxnSp>
         <p:nvCxnSpPr>
-          <p:cNvPr id="257" name="Straight Connector 256"/>
+          <p:cNvPr id="434" name="Straight Connector 433"/>
           <p:cNvCxnSpPr/>
           <p:nvPr/>
         </p:nvCxnSpPr>
         <p:spPr>
           <a:xfrm>
-            <a:off x="9176423" y="255444"/>
+            <a:off x="9176423" y="420211"/>
             <a:ext cx="0" cy="523513"/>
           </a:xfrm>
           <a:prstGeom prst="line">
@@ -5544,13 +5544,13 @@
       </p:cxnSp>
       <p:sp>
         <p:nvSpPr>
-          <p:cNvPr id="258" name="TextBox 257"/>
+          <p:cNvPr id="435" name="TextBox 434"/>
           <p:cNvSpPr txBox="1"/>
           <p:nvPr/>
         </p:nvSpPr>
         <p:spPr>
           <a:xfrm>
-            <a:off x="9176423" y="328901"/>
+            <a:off x="9176423" y="493668"/>
             <a:ext cx="1048788" cy="400110"/>
           </a:xfrm>
           <a:prstGeom prst="rect">
@@ -5574,13 +5574,13 @@
       </p:sp>
       <p:cxnSp>
         <p:nvCxnSpPr>
-          <p:cNvPr id="259" name="Straight Connector 258"/>
+          <p:cNvPr id="436" name="Straight Connector 435"/>
           <p:cNvCxnSpPr/>
           <p:nvPr/>
         </p:nvCxnSpPr>
         <p:spPr>
           <a:xfrm>
-            <a:off x="7451731" y="778712"/>
+            <a:off x="7451731" y="943479"/>
             <a:ext cx="828000" cy="0"/>
           </a:xfrm>
           <a:prstGeom prst="line">
@@ -5608,13 +5608,13 @@
       </p:cxnSp>
       <p:sp>
         <p:nvSpPr>
-          <p:cNvPr id="260" name="TextBox 259"/>
+          <p:cNvPr id="437" name="TextBox 436"/>
           <p:cNvSpPr txBox="1"/>
           <p:nvPr/>
         </p:nvSpPr>
         <p:spPr>
           <a:xfrm>
-            <a:off x="7308435" y="773474"/>
+            <a:off x="7308435" y="938241"/>
             <a:ext cx="1332600" cy="400110"/>
           </a:xfrm>
           <a:prstGeom prst="rect">
@@ -5642,7 +5642,7 @@
       </p:sp>
       <p:pic>
         <p:nvPicPr>
-          <p:cNvPr id="261" name="Picture 37" descr="C:\Users\Wendy\Documents\wwn20\Thesis\Chapter7\Figures\Fig8\Ag_0_TE.png"/>
+          <p:cNvPr id="438" name="Picture 37" descr="C:\Users\Wendy\Documents\wwn20\Thesis\Chapter7\Figures\Fig8\Ag_0_TE.png"/>
           <p:cNvPicPr>
             <a:picLocks noChangeAspect="1" noChangeArrowheads="1"/>
           </p:cNvPicPr>
@@ -5661,7 +5661,7 @@
         </p:blipFill>
         <p:spPr bwMode="auto">
           <a:xfrm>
-            <a:off x="426026" y="7531780"/>
+            <a:off x="426026" y="7696547"/>
             <a:ext cx="2262277" cy="2166995"/>
           </a:xfrm>
           <a:prstGeom prst="rect">
@@ -5681,13 +5681,13 @@
       </p:pic>
       <p:cxnSp>
         <p:nvCxnSpPr>
-          <p:cNvPr id="262" name="Straight Connector 261"/>
+          <p:cNvPr id="439" name="Straight Connector 438"/>
           <p:cNvCxnSpPr/>
           <p:nvPr/>
         </p:nvCxnSpPr>
         <p:spPr>
           <a:xfrm>
-            <a:off x="1062473" y="7606335"/>
+            <a:off x="1062473" y="7771102"/>
             <a:ext cx="0" cy="1872000"/>
           </a:xfrm>
           <a:prstGeom prst="line">
@@ -5717,13 +5717,13 @@
       </p:cxnSp>
       <p:sp>
         <p:nvSpPr>
-          <p:cNvPr id="263" name="TextBox 262"/>
+          <p:cNvPr id="440" name="TextBox 439"/>
           <p:cNvSpPr txBox="1"/>
           <p:nvPr/>
         </p:nvSpPr>
         <p:spPr>
           <a:xfrm>
-            <a:off x="735921" y="9095573"/>
+            <a:off x="735921" y="9260340"/>
             <a:ext cx="843475" cy="369332"/>
           </a:xfrm>
           <a:prstGeom prst="rect">
@@ -5755,13 +5755,13 @@
       </p:sp>
       <p:cxnSp>
         <p:nvCxnSpPr>
-          <p:cNvPr id="264" name="Straight Connector 263"/>
+          <p:cNvPr id="441" name="Straight Connector 440"/>
           <p:cNvCxnSpPr/>
           <p:nvPr/>
         </p:nvCxnSpPr>
         <p:spPr>
           <a:xfrm>
-            <a:off x="3657917" y="1251607"/>
+            <a:off x="3657917" y="1416374"/>
             <a:ext cx="892800" cy="0"/>
           </a:xfrm>
           <a:prstGeom prst="line">
@@ -5790,13 +5790,13 @@
       </p:cxnSp>
       <p:sp>
         <p:nvSpPr>
-          <p:cNvPr id="265" name="TextBox 264"/>
+          <p:cNvPr id="442" name="TextBox 441"/>
           <p:cNvSpPr txBox="1"/>
           <p:nvPr/>
         </p:nvSpPr>
         <p:spPr>
           <a:xfrm>
-            <a:off x="3755156" y="854457"/>
+            <a:off x="3755156" y="1019224"/>
             <a:ext cx="773462" cy="430887"/>
           </a:xfrm>
           <a:prstGeom prst="rect">
@@ -5828,13 +5828,13 @@
       </p:sp>
       <p:sp>
         <p:nvSpPr>
-          <p:cNvPr id="266" name="TextBox 265"/>
+          <p:cNvPr id="443" name="TextBox 442"/>
           <p:cNvSpPr txBox="1"/>
           <p:nvPr/>
         </p:nvSpPr>
         <p:spPr>
           <a:xfrm>
-            <a:off x="648147" y="26928"/>
+            <a:off x="648147" y="191695"/>
             <a:ext cx="642037" cy="477054"/>
           </a:xfrm>
           <a:prstGeom prst="rect">
@@ -5858,13 +5858,13 @@
       </p:sp>
       <p:sp>
         <p:nvSpPr>
-          <p:cNvPr id="267" name="TextBox 266"/>
+          <p:cNvPr id="444" name="TextBox 443"/>
           <p:cNvSpPr txBox="1"/>
           <p:nvPr/>
         </p:nvSpPr>
         <p:spPr>
           <a:xfrm>
-            <a:off x="5262694" y="71934"/>
+            <a:off x="5262694" y="236701"/>
             <a:ext cx="642037" cy="477054"/>
           </a:xfrm>
           <a:prstGeom prst="rect">
@@ -5888,13 +5888,13 @@
       </p:sp>
       <p:sp>
         <p:nvSpPr>
-          <p:cNvPr id="268" name="TextBox 267"/>
+          <p:cNvPr id="445" name="TextBox 444"/>
           <p:cNvSpPr txBox="1"/>
           <p:nvPr/>
         </p:nvSpPr>
         <p:spPr>
           <a:xfrm>
-            <a:off x="61827" y="1404566"/>
+            <a:off x="61827" y="1569333"/>
             <a:ext cx="645764" cy="477054"/>
           </a:xfrm>
           <a:prstGeom prst="rect">
@@ -5918,13 +5918,13 @@
       </p:sp>
       <p:sp>
         <p:nvSpPr>
-          <p:cNvPr id="269" name="TextBox 268"/>
+          <p:cNvPr id="446" name="TextBox 445"/>
           <p:cNvSpPr txBox="1"/>
           <p:nvPr/>
         </p:nvSpPr>
         <p:spPr>
           <a:xfrm>
-            <a:off x="61551" y="7093198"/>
+            <a:off x="61551" y="7257965"/>
             <a:ext cx="645764" cy="477054"/>
           </a:xfrm>
           <a:prstGeom prst="rect">
@@ -5948,13 +5948,13 @@
       </p:sp>
       <p:sp>
         <p:nvSpPr>
-          <p:cNvPr id="270" name="TextBox 269"/>
+          <p:cNvPr id="447" name="TextBox 446"/>
           <p:cNvSpPr txBox="1"/>
           <p:nvPr/>
         </p:nvSpPr>
         <p:spPr>
           <a:xfrm>
-            <a:off x="1226519" y="4100310"/>
+            <a:off x="1226519" y="4265077"/>
             <a:ext cx="645764" cy="477054"/>
           </a:xfrm>
           <a:prstGeom prst="rect">
@@ -5978,13 +5978,13 @@
       </p:sp>
       <p:sp>
         <p:nvSpPr>
-          <p:cNvPr id="271" name="TextBox 270"/>
+          <p:cNvPr id="448" name="TextBox 447"/>
           <p:cNvSpPr txBox="1"/>
           <p:nvPr/>
         </p:nvSpPr>
         <p:spPr>
           <a:xfrm>
-            <a:off x="1226519" y="9741641"/>
+            <a:off x="1226519" y="9906408"/>
             <a:ext cx="645764" cy="477054"/>
           </a:xfrm>
           <a:prstGeom prst="rect">
@@ -6008,13 +6008,13 @@
       </p:sp>
       <p:sp>
         <p:nvSpPr>
-          <p:cNvPr id="272" name="Freeform 271"/>
+          <p:cNvPr id="449" name="Freeform 448"/>
           <p:cNvSpPr/>
           <p:nvPr/>
         </p:nvSpPr>
         <p:spPr>
           <a:xfrm>
-            <a:off x="757394" y="8036466"/>
+            <a:off x="757394" y="8201233"/>
             <a:ext cx="1854309" cy="1429898"/>
           </a:xfrm>
           <a:custGeom>
@@ -6561,13 +6561,13 @@
       </p:sp>
       <p:sp>
         <p:nvSpPr>
-          <p:cNvPr id="273" name="Freeform 272"/>
+          <p:cNvPr id="450" name="Freeform 449"/>
           <p:cNvSpPr/>
           <p:nvPr/>
         </p:nvSpPr>
         <p:spPr>
           <a:xfrm>
-            <a:off x="2754396" y="7975687"/>
+            <a:off x="2754396" y="8140454"/>
             <a:ext cx="1868514" cy="1324563"/>
           </a:xfrm>
           <a:custGeom>
@@ -7012,13 +7012,13 @@
       </p:sp>
       <p:sp>
         <p:nvSpPr>
-          <p:cNvPr id="274" name="Freeform 273"/>
+          <p:cNvPr id="451" name="Freeform 450"/>
           <p:cNvSpPr/>
           <p:nvPr/>
         </p:nvSpPr>
         <p:spPr>
           <a:xfrm>
-            <a:off x="4763765" y="7940749"/>
+            <a:off x="4763765" y="8105516"/>
             <a:ext cx="1853097" cy="646912"/>
           </a:xfrm>
           <a:custGeom>
@@ -7837,13 +7837,13 @@
       </p:sp>
       <p:sp>
         <p:nvSpPr>
-          <p:cNvPr id="275" name="Freeform 274"/>
+          <p:cNvPr id="452" name="Freeform 451"/>
           <p:cNvSpPr/>
           <p:nvPr/>
         </p:nvSpPr>
         <p:spPr>
           <a:xfrm>
-            <a:off x="6752360" y="7666608"/>
+            <a:off x="6752360" y="7831375"/>
             <a:ext cx="1680095" cy="296723"/>
           </a:xfrm>
           <a:custGeom>
@@ -9106,13 +9106,13 @@
       </p:sp>
       <p:sp>
         <p:nvSpPr>
-          <p:cNvPr id="276" name="Freeform 275"/>
+          <p:cNvPr id="453" name="Freeform 452"/>
           <p:cNvSpPr/>
           <p:nvPr/>
         </p:nvSpPr>
         <p:spPr>
           <a:xfrm>
-            <a:off x="735923" y="2372495"/>
+            <a:off x="735923" y="2537262"/>
             <a:ext cx="1854309" cy="1429898"/>
           </a:xfrm>
           <a:custGeom>
@@ -9659,13 +9659,13 @@
       </p:sp>
       <p:sp>
         <p:nvSpPr>
-          <p:cNvPr id="277" name="Freeform 276"/>
+          <p:cNvPr id="454" name="Freeform 453"/>
           <p:cNvSpPr/>
           <p:nvPr/>
         </p:nvSpPr>
         <p:spPr>
           <a:xfrm>
-            <a:off x="2746573" y="2359484"/>
+            <a:off x="2746573" y="2524251"/>
             <a:ext cx="1868514" cy="1324563"/>
           </a:xfrm>
           <a:custGeom>
@@ -10110,13 +10110,13 @@
       </p:sp>
       <p:sp>
         <p:nvSpPr>
-          <p:cNvPr id="278" name="Freeform 277"/>
+          <p:cNvPr id="455" name="Freeform 454"/>
           <p:cNvSpPr/>
           <p:nvPr/>
         </p:nvSpPr>
         <p:spPr>
           <a:xfrm>
-            <a:off x="4742294" y="2317723"/>
+            <a:off x="4742294" y="2482490"/>
             <a:ext cx="1839449" cy="790214"/>
           </a:xfrm>
           <a:custGeom>
@@ -11031,13 +11031,13 @@
       </p:sp>
       <p:sp>
         <p:nvSpPr>
-          <p:cNvPr id="279" name="Freeform 278"/>
+          <p:cNvPr id="456" name="Freeform 455"/>
           <p:cNvSpPr/>
           <p:nvPr/>
         </p:nvSpPr>
         <p:spPr>
           <a:xfrm>
-            <a:off x="6737714" y="2202098"/>
+            <a:off x="6737714" y="2366865"/>
             <a:ext cx="1836146" cy="166162"/>
           </a:xfrm>
           <a:custGeom>
@@ -12428,13 +12428,13 @@
       </p:sp>
       <p:sp>
         <p:nvSpPr>
-          <p:cNvPr id="280" name="Freeform 279"/>
+          <p:cNvPr id="457" name="Freeform 456"/>
           <p:cNvSpPr/>
           <p:nvPr/>
         </p:nvSpPr>
         <p:spPr>
           <a:xfrm>
-            <a:off x="742747" y="3174785"/>
+            <a:off x="742747" y="3339552"/>
             <a:ext cx="769496" cy="627608"/>
           </a:xfrm>
           <a:custGeom>
@@ -13117,13 +13117,13 @@
       </p:sp>
       <p:sp>
         <p:nvSpPr>
-          <p:cNvPr id="281" name="TextBox 280"/>
+          <p:cNvPr id="458" name="TextBox 457"/>
           <p:cNvSpPr txBox="1"/>
           <p:nvPr/>
         </p:nvSpPr>
         <p:spPr>
           <a:xfrm>
-            <a:off x="745956" y="3450682"/>
+            <a:off x="745956" y="3615449"/>
             <a:ext cx="843475" cy="369332"/>
           </a:xfrm>
           <a:prstGeom prst="rect">
@@ -13155,13 +13155,13 @@
       </p:sp>
       <p:sp>
         <p:nvSpPr>
-          <p:cNvPr id="282" name="Freeform 281"/>
+          <p:cNvPr id="459" name="Freeform 458"/>
           <p:cNvSpPr/>
           <p:nvPr/>
         </p:nvSpPr>
         <p:spPr>
           <a:xfrm>
-            <a:off x="2746573" y="3138961"/>
+            <a:off x="2746573" y="3303728"/>
             <a:ext cx="818276" cy="627608"/>
           </a:xfrm>
           <a:custGeom>
@@ -13844,13 +13844,13 @@
       </p:sp>
       <p:sp>
         <p:nvSpPr>
-          <p:cNvPr id="283" name="TextBox 282"/>
+          <p:cNvPr id="460" name="TextBox 459"/>
           <p:cNvSpPr txBox="1"/>
           <p:nvPr/>
         </p:nvSpPr>
         <p:spPr>
           <a:xfrm>
-            <a:off x="2740028" y="3450682"/>
+            <a:off x="2740028" y="3615449"/>
             <a:ext cx="1022598" cy="369332"/>
           </a:xfrm>
           <a:prstGeom prst="rect">
@@ -13882,13 +13882,13 @@
       </p:sp>
       <p:sp>
         <p:nvSpPr>
-          <p:cNvPr id="284" name="Freeform 283"/>
+          <p:cNvPr id="461" name="Freeform 460"/>
           <p:cNvSpPr/>
           <p:nvPr/>
         </p:nvSpPr>
         <p:spPr>
           <a:xfrm>
-            <a:off x="4745779" y="3056439"/>
+            <a:off x="4745779" y="3221206"/>
             <a:ext cx="513376" cy="396326"/>
           </a:xfrm>
           <a:custGeom>
@@ -14571,13 +14571,13 @@
       </p:sp>
       <p:cxnSp>
         <p:nvCxnSpPr>
-          <p:cNvPr id="285" name="Straight Arrow Connector 284"/>
+          <p:cNvPr id="462" name="Straight Arrow Connector 461"/>
           <p:cNvCxnSpPr/>
           <p:nvPr/>
         </p:nvCxnSpPr>
         <p:spPr>
           <a:xfrm>
-            <a:off x="3554330" y="5179969"/>
+            <a:off x="3554330" y="5344736"/>
             <a:ext cx="0" cy="360000"/>
           </a:xfrm>
           <a:prstGeom prst="straightConnector1">
@@ -14609,13 +14609,13 @@
       </p:cxnSp>
       <p:cxnSp>
         <p:nvCxnSpPr>
-          <p:cNvPr id="286" name="Straight Arrow Connector 285"/>
+          <p:cNvPr id="463" name="Straight Arrow Connector 462"/>
           <p:cNvCxnSpPr/>
           <p:nvPr/>
         </p:nvCxnSpPr>
         <p:spPr>
           <a:xfrm>
-            <a:off x="5009269" y="5670868"/>
+            <a:off x="5009269" y="5835635"/>
             <a:ext cx="0" cy="360000"/>
           </a:xfrm>
           <a:prstGeom prst="straightConnector1">
@@ -14645,13 +14645,13 @@
       </p:cxnSp>
       <p:cxnSp>
         <p:nvCxnSpPr>
-          <p:cNvPr id="287" name="Straight Arrow Connector 286"/>
+          <p:cNvPr id="464" name="Straight Arrow Connector 463"/>
           <p:cNvCxnSpPr/>
           <p:nvPr/>
         </p:nvCxnSpPr>
         <p:spPr>
           <a:xfrm>
-            <a:off x="3500846" y="10217664"/>
+            <a:off x="3500846" y="10382431"/>
             <a:ext cx="0" cy="360000"/>
           </a:xfrm>
           <a:prstGeom prst="straightConnector1">
@@ -14683,13 +14683,13 @@
       </p:cxnSp>
       <p:sp>
         <p:nvSpPr>
-          <p:cNvPr id="288" name="TextBox 287"/>
+          <p:cNvPr id="465" name="TextBox 464"/>
           <p:cNvSpPr txBox="1"/>
           <p:nvPr/>
         </p:nvSpPr>
         <p:spPr>
           <a:xfrm>
-            <a:off x="9303204" y="1213585"/>
+            <a:off x="9303204" y="1378352"/>
             <a:ext cx="794645" cy="430887"/>
           </a:xfrm>
           <a:prstGeom prst="rect">
@@ -14713,13 +14713,13 @@
       </p:sp>
       <p:cxnSp>
         <p:nvCxnSpPr>
-          <p:cNvPr id="289" name="Straight Connector 288"/>
+          <p:cNvPr id="466" name="Straight Connector 465"/>
           <p:cNvCxnSpPr/>
           <p:nvPr/>
         </p:nvCxnSpPr>
         <p:spPr>
           <a:xfrm>
-            <a:off x="9145023" y="1123885"/>
+            <a:off x="9145023" y="1288652"/>
             <a:ext cx="261296" cy="239742"/>
           </a:xfrm>
           <a:prstGeom prst="line">
@@ -14748,13 +14748,13 @@
       </p:cxnSp>
       <p:cxnSp>
         <p:nvCxnSpPr>
-          <p:cNvPr id="3" name="Straight Connector 2"/>
+          <p:cNvPr id="467" name="Straight Connector 466"/>
           <p:cNvCxnSpPr/>
           <p:nvPr/>
         </p:nvCxnSpPr>
         <p:spPr>
           <a:xfrm flipV="1">
-            <a:off x="7111399" y="8453760"/>
+            <a:off x="7111399" y="8618527"/>
             <a:ext cx="1476678" cy="576064"/>
           </a:xfrm>
           <a:prstGeom prst="line">
@@ -14784,13 +14784,13 @@
       </p:cxnSp>
       <p:cxnSp>
         <p:nvCxnSpPr>
-          <p:cNvPr id="80" name="Straight Connector 79"/>
+          <p:cNvPr id="468" name="Straight Connector 467"/>
           <p:cNvCxnSpPr/>
           <p:nvPr/>
         </p:nvCxnSpPr>
         <p:spPr>
           <a:xfrm flipV="1">
-            <a:off x="9113381" y="8434710"/>
+            <a:off x="9113381" y="8599477"/>
             <a:ext cx="1476678" cy="576064"/>
           </a:xfrm>
           <a:prstGeom prst="line">
